--- a/pics/pics.pptx
+++ b/pics/pics.pptx
@@ -5,7 +5,8 @@
     <p:sldMasterId id="2147483648" r:id="rId1"/>
   </p:sldMasterIdLst>
   <p:sldIdLst>
-    <p:sldId id="256" r:id="rId2"/>
+    <p:sldId id="260" r:id="rId2"/>
+    <p:sldId id="256" r:id="rId3"/>
   </p:sldIdLst>
   <p:sldSz cx="12192000" cy="6858000"/>
   <p:notesSz cx="6858000" cy="9144000"/>
@@ -104,6 +105,11 @@
       </a:defRPr>
     </a:lvl9pPr>
   </p:defaultTextStyle>
+  <p:extLst>
+    <p:ext uri="{EFAFB233-063F-42B5-8137-9DF3F51BA10A}">
+      <p15:sldGuideLst xmlns:p15="http://schemas.microsoft.com/office/powerpoint/2012/main"/>
+    </p:ext>
+  </p:extLst>
 </p:presentation>
 </file>
 
@@ -149,10 +155,9 @@
           </a:lstStyle>
           <a:p>
             <a:r>
-              <a:rPr lang="de-DE" smtClean="0"/>
+              <a:rPr lang="de-DE"/>
               <a:t>Titelmasterformat durch Klicken bearbeiten</a:t>
             </a:r>
-            <a:endParaRPr lang="de-DE"/>
           </a:p>
         </p:txBody>
       </p:sp>
@@ -214,10 +219,9 @@
           </a:lstStyle>
           <a:p>
             <a:r>
-              <a:rPr lang="de-DE" smtClean="0"/>
+              <a:rPr lang="de-DE"/>
               <a:t>Formatvorlage des Untertitelmasters durch Klicken bearbeiten</a:t>
             </a:r>
-            <a:endParaRPr lang="de-DE"/>
           </a:p>
         </p:txBody>
       </p:sp>
@@ -238,7 +242,7 @@
           <a:p>
             <a:fld id="{D892D71B-BC74-4C8E-89AC-48793C6FC839}" type="datetimeFigureOut">
               <a:rPr lang="de-DE" smtClean="0"/>
-              <a:t>04.01.2023</a:t>
+              <a:t>23.03.25</a:t>
             </a:fld>
             <a:endParaRPr lang="de-DE"/>
           </a:p>
@@ -280,7 +284,7 @@
           <a:p>
             <a:fld id="{DBFD9E14-CC2D-4DC0-8F06-4855A124E51B}" type="slidenum">
               <a:rPr lang="de-DE" smtClean="0"/>
-              <a:t>‹Nr.›</a:t>
+              <a:t>‹#›</a:t>
             </a:fld>
             <a:endParaRPr lang="de-DE"/>
           </a:p>
@@ -332,10 +336,9 @@
           <a:lstStyle/>
           <a:p>
             <a:r>
-              <a:rPr lang="de-DE" smtClean="0"/>
+              <a:rPr lang="de-DE"/>
               <a:t>Titelmasterformat durch Klicken bearbeiten</a:t>
             </a:r>
-            <a:endParaRPr lang="de-DE"/>
           </a:p>
         </p:txBody>
       </p:sp>
@@ -356,38 +359,37 @@
           <a:p>
             <a:pPr lvl="0"/>
             <a:r>
-              <a:rPr lang="de-DE" smtClean="0"/>
+              <a:rPr lang="de-DE"/>
               <a:t>Formatvorlagen des Textmasters bearbeiten</a:t>
             </a:r>
           </a:p>
           <a:p>
             <a:pPr lvl="1"/>
             <a:r>
-              <a:rPr lang="de-DE" smtClean="0"/>
+              <a:rPr lang="de-DE"/>
               <a:t>Zweite Ebene</a:t>
             </a:r>
           </a:p>
           <a:p>
             <a:pPr lvl="2"/>
             <a:r>
-              <a:rPr lang="de-DE" smtClean="0"/>
+              <a:rPr lang="de-DE"/>
               <a:t>Dritte Ebene</a:t>
             </a:r>
           </a:p>
           <a:p>
             <a:pPr lvl="3"/>
             <a:r>
-              <a:rPr lang="de-DE" smtClean="0"/>
+              <a:rPr lang="de-DE"/>
               <a:t>Vierte Ebene</a:t>
             </a:r>
           </a:p>
           <a:p>
             <a:pPr lvl="4"/>
             <a:r>
-              <a:rPr lang="de-DE" smtClean="0"/>
+              <a:rPr lang="de-DE"/>
               <a:t>Fünfte Ebene</a:t>
             </a:r>
-            <a:endParaRPr lang="de-DE"/>
           </a:p>
         </p:txBody>
       </p:sp>
@@ -408,7 +410,7 @@
           <a:p>
             <a:fld id="{D892D71B-BC74-4C8E-89AC-48793C6FC839}" type="datetimeFigureOut">
               <a:rPr lang="de-DE" smtClean="0"/>
-              <a:t>04.01.2023</a:t>
+              <a:t>23.03.25</a:t>
             </a:fld>
             <a:endParaRPr lang="de-DE"/>
           </a:p>
@@ -450,7 +452,7 @@
           <a:p>
             <a:fld id="{DBFD9E14-CC2D-4DC0-8F06-4855A124E51B}" type="slidenum">
               <a:rPr lang="de-DE" smtClean="0"/>
-              <a:t>‹Nr.›</a:t>
+              <a:t>‹#›</a:t>
             </a:fld>
             <a:endParaRPr lang="de-DE"/>
           </a:p>
@@ -507,10 +509,9 @@
           <a:lstStyle/>
           <a:p>
             <a:r>
-              <a:rPr lang="de-DE" smtClean="0"/>
+              <a:rPr lang="de-DE"/>
               <a:t>Titelmasterformat durch Klicken bearbeiten</a:t>
             </a:r>
-            <a:endParaRPr lang="de-DE"/>
           </a:p>
         </p:txBody>
       </p:sp>
@@ -536,38 +537,37 @@
           <a:p>
             <a:pPr lvl="0"/>
             <a:r>
-              <a:rPr lang="de-DE" smtClean="0"/>
+              <a:rPr lang="de-DE"/>
               <a:t>Formatvorlagen des Textmasters bearbeiten</a:t>
             </a:r>
           </a:p>
           <a:p>
             <a:pPr lvl="1"/>
             <a:r>
-              <a:rPr lang="de-DE" smtClean="0"/>
+              <a:rPr lang="de-DE"/>
               <a:t>Zweite Ebene</a:t>
             </a:r>
           </a:p>
           <a:p>
             <a:pPr lvl="2"/>
             <a:r>
-              <a:rPr lang="de-DE" smtClean="0"/>
+              <a:rPr lang="de-DE"/>
               <a:t>Dritte Ebene</a:t>
             </a:r>
           </a:p>
           <a:p>
             <a:pPr lvl="3"/>
             <a:r>
-              <a:rPr lang="de-DE" smtClean="0"/>
+              <a:rPr lang="de-DE"/>
               <a:t>Vierte Ebene</a:t>
             </a:r>
           </a:p>
           <a:p>
             <a:pPr lvl="4"/>
             <a:r>
-              <a:rPr lang="de-DE" smtClean="0"/>
+              <a:rPr lang="de-DE"/>
               <a:t>Fünfte Ebene</a:t>
             </a:r>
-            <a:endParaRPr lang="de-DE"/>
           </a:p>
         </p:txBody>
       </p:sp>
@@ -588,7 +588,7 @@
           <a:p>
             <a:fld id="{D892D71B-BC74-4C8E-89AC-48793C6FC839}" type="datetimeFigureOut">
               <a:rPr lang="de-DE" smtClean="0"/>
-              <a:t>04.01.2023</a:t>
+              <a:t>23.03.25</a:t>
             </a:fld>
             <a:endParaRPr lang="de-DE"/>
           </a:p>
@@ -630,7 +630,7 @@
           <a:p>
             <a:fld id="{DBFD9E14-CC2D-4DC0-8F06-4855A124E51B}" type="slidenum">
               <a:rPr lang="de-DE" smtClean="0"/>
-              <a:t>‹Nr.›</a:t>
+              <a:t>‹#›</a:t>
             </a:fld>
             <a:endParaRPr lang="de-DE"/>
           </a:p>
@@ -682,10 +682,9 @@
           <a:lstStyle/>
           <a:p>
             <a:r>
-              <a:rPr lang="de-DE" smtClean="0"/>
+              <a:rPr lang="de-DE"/>
               <a:t>Titelmasterformat durch Klicken bearbeiten</a:t>
             </a:r>
-            <a:endParaRPr lang="de-DE"/>
           </a:p>
         </p:txBody>
       </p:sp>
@@ -706,38 +705,37 @@
           <a:p>
             <a:pPr lvl="0"/>
             <a:r>
-              <a:rPr lang="de-DE" smtClean="0"/>
+              <a:rPr lang="de-DE"/>
               <a:t>Formatvorlagen des Textmasters bearbeiten</a:t>
             </a:r>
           </a:p>
           <a:p>
             <a:pPr lvl="1"/>
             <a:r>
-              <a:rPr lang="de-DE" smtClean="0"/>
+              <a:rPr lang="de-DE"/>
               <a:t>Zweite Ebene</a:t>
             </a:r>
           </a:p>
           <a:p>
             <a:pPr lvl="2"/>
             <a:r>
-              <a:rPr lang="de-DE" smtClean="0"/>
+              <a:rPr lang="de-DE"/>
               <a:t>Dritte Ebene</a:t>
             </a:r>
           </a:p>
           <a:p>
             <a:pPr lvl="3"/>
             <a:r>
-              <a:rPr lang="de-DE" smtClean="0"/>
+              <a:rPr lang="de-DE"/>
               <a:t>Vierte Ebene</a:t>
             </a:r>
           </a:p>
           <a:p>
             <a:pPr lvl="4"/>
             <a:r>
-              <a:rPr lang="de-DE" smtClean="0"/>
+              <a:rPr lang="de-DE"/>
               <a:t>Fünfte Ebene</a:t>
             </a:r>
-            <a:endParaRPr lang="de-DE"/>
           </a:p>
         </p:txBody>
       </p:sp>
@@ -758,7 +756,7 @@
           <a:p>
             <a:fld id="{D892D71B-BC74-4C8E-89AC-48793C6FC839}" type="datetimeFigureOut">
               <a:rPr lang="de-DE" smtClean="0"/>
-              <a:t>04.01.2023</a:t>
+              <a:t>23.03.25</a:t>
             </a:fld>
             <a:endParaRPr lang="de-DE"/>
           </a:p>
@@ -800,7 +798,7 @@
           <a:p>
             <a:fld id="{DBFD9E14-CC2D-4DC0-8F06-4855A124E51B}" type="slidenum">
               <a:rPr lang="de-DE" smtClean="0"/>
-              <a:t>‹Nr.›</a:t>
+              <a:t>‹#›</a:t>
             </a:fld>
             <a:endParaRPr lang="de-DE"/>
           </a:p>
@@ -861,10 +859,9 @@
           </a:lstStyle>
           <a:p>
             <a:r>
-              <a:rPr lang="de-DE" smtClean="0"/>
+              <a:rPr lang="de-DE"/>
               <a:t>Titelmasterformat durch Klicken bearbeiten</a:t>
             </a:r>
-            <a:endParaRPr lang="de-DE"/>
           </a:p>
         </p:txBody>
       </p:sp>
@@ -981,7 +978,7 @@
           <a:p>
             <a:pPr lvl="0"/>
             <a:r>
-              <a:rPr lang="de-DE" smtClean="0"/>
+              <a:rPr lang="de-DE"/>
               <a:t>Formatvorlagen des Textmasters bearbeiten</a:t>
             </a:r>
           </a:p>
@@ -1004,7 +1001,7 @@
           <a:p>
             <a:fld id="{D892D71B-BC74-4C8E-89AC-48793C6FC839}" type="datetimeFigureOut">
               <a:rPr lang="de-DE" smtClean="0"/>
-              <a:t>04.01.2023</a:t>
+              <a:t>23.03.25</a:t>
             </a:fld>
             <a:endParaRPr lang="de-DE"/>
           </a:p>
@@ -1046,7 +1043,7 @@
           <a:p>
             <a:fld id="{DBFD9E14-CC2D-4DC0-8F06-4855A124E51B}" type="slidenum">
               <a:rPr lang="de-DE" smtClean="0"/>
-              <a:t>‹Nr.›</a:t>
+              <a:t>‹#›</a:t>
             </a:fld>
             <a:endParaRPr lang="de-DE"/>
           </a:p>
@@ -1098,10 +1095,9 @@
           <a:lstStyle/>
           <a:p>
             <a:r>
-              <a:rPr lang="de-DE" smtClean="0"/>
+              <a:rPr lang="de-DE"/>
               <a:t>Titelmasterformat durch Klicken bearbeiten</a:t>
             </a:r>
-            <a:endParaRPr lang="de-DE"/>
           </a:p>
         </p:txBody>
       </p:sp>
@@ -1127,38 +1123,37 @@
           <a:p>
             <a:pPr lvl="0"/>
             <a:r>
-              <a:rPr lang="de-DE" smtClean="0"/>
+              <a:rPr lang="de-DE"/>
               <a:t>Formatvorlagen des Textmasters bearbeiten</a:t>
             </a:r>
           </a:p>
           <a:p>
             <a:pPr lvl="1"/>
             <a:r>
-              <a:rPr lang="de-DE" smtClean="0"/>
+              <a:rPr lang="de-DE"/>
               <a:t>Zweite Ebene</a:t>
             </a:r>
           </a:p>
           <a:p>
             <a:pPr lvl="2"/>
             <a:r>
-              <a:rPr lang="de-DE" smtClean="0"/>
+              <a:rPr lang="de-DE"/>
               <a:t>Dritte Ebene</a:t>
             </a:r>
           </a:p>
           <a:p>
             <a:pPr lvl="3"/>
             <a:r>
-              <a:rPr lang="de-DE" smtClean="0"/>
+              <a:rPr lang="de-DE"/>
               <a:t>Vierte Ebene</a:t>
             </a:r>
           </a:p>
           <a:p>
             <a:pPr lvl="4"/>
             <a:r>
-              <a:rPr lang="de-DE" smtClean="0"/>
+              <a:rPr lang="de-DE"/>
               <a:t>Fünfte Ebene</a:t>
             </a:r>
-            <a:endParaRPr lang="de-DE"/>
           </a:p>
         </p:txBody>
       </p:sp>
@@ -1184,38 +1179,37 @@
           <a:p>
             <a:pPr lvl="0"/>
             <a:r>
-              <a:rPr lang="de-DE" smtClean="0"/>
+              <a:rPr lang="de-DE"/>
               <a:t>Formatvorlagen des Textmasters bearbeiten</a:t>
             </a:r>
           </a:p>
           <a:p>
             <a:pPr lvl="1"/>
             <a:r>
-              <a:rPr lang="de-DE" smtClean="0"/>
+              <a:rPr lang="de-DE"/>
               <a:t>Zweite Ebene</a:t>
             </a:r>
           </a:p>
           <a:p>
             <a:pPr lvl="2"/>
             <a:r>
-              <a:rPr lang="de-DE" smtClean="0"/>
+              <a:rPr lang="de-DE"/>
               <a:t>Dritte Ebene</a:t>
             </a:r>
           </a:p>
           <a:p>
             <a:pPr lvl="3"/>
             <a:r>
-              <a:rPr lang="de-DE" smtClean="0"/>
+              <a:rPr lang="de-DE"/>
               <a:t>Vierte Ebene</a:t>
             </a:r>
           </a:p>
           <a:p>
             <a:pPr lvl="4"/>
             <a:r>
-              <a:rPr lang="de-DE" smtClean="0"/>
+              <a:rPr lang="de-DE"/>
               <a:t>Fünfte Ebene</a:t>
             </a:r>
-            <a:endParaRPr lang="de-DE"/>
           </a:p>
         </p:txBody>
       </p:sp>
@@ -1236,7 +1230,7 @@
           <a:p>
             <a:fld id="{D892D71B-BC74-4C8E-89AC-48793C6FC839}" type="datetimeFigureOut">
               <a:rPr lang="de-DE" smtClean="0"/>
-              <a:t>04.01.2023</a:t>
+              <a:t>23.03.25</a:t>
             </a:fld>
             <a:endParaRPr lang="de-DE"/>
           </a:p>
@@ -1278,7 +1272,7 @@
           <a:p>
             <a:fld id="{DBFD9E14-CC2D-4DC0-8F06-4855A124E51B}" type="slidenum">
               <a:rPr lang="de-DE" smtClean="0"/>
-              <a:t>‹Nr.›</a:t>
+              <a:t>‹#›</a:t>
             </a:fld>
             <a:endParaRPr lang="de-DE"/>
           </a:p>
@@ -1335,10 +1329,9 @@
           <a:lstStyle/>
           <a:p>
             <a:r>
-              <a:rPr lang="de-DE" smtClean="0"/>
+              <a:rPr lang="de-DE"/>
               <a:t>Titelmasterformat durch Klicken bearbeiten</a:t>
             </a:r>
-            <a:endParaRPr lang="de-DE"/>
           </a:p>
         </p:txBody>
       </p:sp>
@@ -1401,7 +1394,7 @@
           <a:p>
             <a:pPr lvl="0"/>
             <a:r>
-              <a:rPr lang="de-DE" smtClean="0"/>
+              <a:rPr lang="de-DE"/>
               <a:t>Formatvorlagen des Textmasters bearbeiten</a:t>
             </a:r>
           </a:p>
@@ -1429,38 +1422,37 @@
           <a:p>
             <a:pPr lvl="0"/>
             <a:r>
-              <a:rPr lang="de-DE" smtClean="0"/>
+              <a:rPr lang="de-DE"/>
               <a:t>Formatvorlagen des Textmasters bearbeiten</a:t>
             </a:r>
           </a:p>
           <a:p>
             <a:pPr lvl="1"/>
             <a:r>
-              <a:rPr lang="de-DE" smtClean="0"/>
+              <a:rPr lang="de-DE"/>
               <a:t>Zweite Ebene</a:t>
             </a:r>
           </a:p>
           <a:p>
             <a:pPr lvl="2"/>
             <a:r>
-              <a:rPr lang="de-DE" smtClean="0"/>
+              <a:rPr lang="de-DE"/>
               <a:t>Dritte Ebene</a:t>
             </a:r>
           </a:p>
           <a:p>
             <a:pPr lvl="3"/>
             <a:r>
-              <a:rPr lang="de-DE" smtClean="0"/>
+              <a:rPr lang="de-DE"/>
               <a:t>Vierte Ebene</a:t>
             </a:r>
           </a:p>
           <a:p>
             <a:pPr lvl="4"/>
             <a:r>
-              <a:rPr lang="de-DE" smtClean="0"/>
+              <a:rPr lang="de-DE"/>
               <a:t>Fünfte Ebene</a:t>
             </a:r>
-            <a:endParaRPr lang="de-DE"/>
           </a:p>
         </p:txBody>
       </p:sp>
@@ -1523,7 +1515,7 @@
           <a:p>
             <a:pPr lvl="0"/>
             <a:r>
-              <a:rPr lang="de-DE" smtClean="0"/>
+              <a:rPr lang="de-DE"/>
               <a:t>Formatvorlagen des Textmasters bearbeiten</a:t>
             </a:r>
           </a:p>
@@ -1551,38 +1543,37 @@
           <a:p>
             <a:pPr lvl="0"/>
             <a:r>
-              <a:rPr lang="de-DE" smtClean="0"/>
+              <a:rPr lang="de-DE"/>
               <a:t>Formatvorlagen des Textmasters bearbeiten</a:t>
             </a:r>
           </a:p>
           <a:p>
             <a:pPr lvl="1"/>
             <a:r>
-              <a:rPr lang="de-DE" smtClean="0"/>
+              <a:rPr lang="de-DE"/>
               <a:t>Zweite Ebene</a:t>
             </a:r>
           </a:p>
           <a:p>
             <a:pPr lvl="2"/>
             <a:r>
-              <a:rPr lang="de-DE" smtClean="0"/>
+              <a:rPr lang="de-DE"/>
               <a:t>Dritte Ebene</a:t>
             </a:r>
           </a:p>
           <a:p>
             <a:pPr lvl="3"/>
             <a:r>
-              <a:rPr lang="de-DE" smtClean="0"/>
+              <a:rPr lang="de-DE"/>
               <a:t>Vierte Ebene</a:t>
             </a:r>
           </a:p>
           <a:p>
             <a:pPr lvl="4"/>
             <a:r>
-              <a:rPr lang="de-DE" smtClean="0"/>
+              <a:rPr lang="de-DE"/>
               <a:t>Fünfte Ebene</a:t>
             </a:r>
-            <a:endParaRPr lang="de-DE"/>
           </a:p>
         </p:txBody>
       </p:sp>
@@ -1603,7 +1594,7 @@
           <a:p>
             <a:fld id="{D892D71B-BC74-4C8E-89AC-48793C6FC839}" type="datetimeFigureOut">
               <a:rPr lang="de-DE" smtClean="0"/>
-              <a:t>04.01.2023</a:t>
+              <a:t>23.03.25</a:t>
             </a:fld>
             <a:endParaRPr lang="de-DE"/>
           </a:p>
@@ -1645,7 +1636,7 @@
           <a:p>
             <a:fld id="{DBFD9E14-CC2D-4DC0-8F06-4855A124E51B}" type="slidenum">
               <a:rPr lang="de-DE" smtClean="0"/>
-              <a:t>‹Nr.›</a:t>
+              <a:t>‹#›</a:t>
             </a:fld>
             <a:endParaRPr lang="de-DE"/>
           </a:p>
@@ -1697,10 +1688,9 @@
           <a:lstStyle/>
           <a:p>
             <a:r>
-              <a:rPr lang="de-DE" smtClean="0"/>
+              <a:rPr lang="de-DE"/>
               <a:t>Titelmasterformat durch Klicken bearbeiten</a:t>
             </a:r>
-            <a:endParaRPr lang="de-DE"/>
           </a:p>
         </p:txBody>
       </p:sp>
@@ -1721,7 +1711,7 @@
           <a:p>
             <a:fld id="{D892D71B-BC74-4C8E-89AC-48793C6FC839}" type="datetimeFigureOut">
               <a:rPr lang="de-DE" smtClean="0"/>
-              <a:t>04.01.2023</a:t>
+              <a:t>23.03.25</a:t>
             </a:fld>
             <a:endParaRPr lang="de-DE"/>
           </a:p>
@@ -1763,7 +1753,7 @@
           <a:p>
             <a:fld id="{DBFD9E14-CC2D-4DC0-8F06-4855A124E51B}" type="slidenum">
               <a:rPr lang="de-DE" smtClean="0"/>
-              <a:t>‹Nr.›</a:t>
+              <a:t>‹#›</a:t>
             </a:fld>
             <a:endParaRPr lang="de-DE"/>
           </a:p>
@@ -1816,7 +1806,7 @@
           <a:p>
             <a:fld id="{D892D71B-BC74-4C8E-89AC-48793C6FC839}" type="datetimeFigureOut">
               <a:rPr lang="de-DE" smtClean="0"/>
-              <a:t>04.01.2023</a:t>
+              <a:t>23.03.25</a:t>
             </a:fld>
             <a:endParaRPr lang="de-DE"/>
           </a:p>
@@ -1858,7 +1848,7 @@
           <a:p>
             <a:fld id="{DBFD9E14-CC2D-4DC0-8F06-4855A124E51B}" type="slidenum">
               <a:rPr lang="de-DE" smtClean="0"/>
-              <a:t>‹Nr.›</a:t>
+              <a:t>‹#›</a:t>
             </a:fld>
             <a:endParaRPr lang="de-DE"/>
           </a:p>
@@ -1919,10 +1909,9 @@
           </a:lstStyle>
           <a:p>
             <a:r>
-              <a:rPr lang="de-DE" smtClean="0"/>
+              <a:rPr lang="de-DE"/>
               <a:t>Titelmasterformat durch Klicken bearbeiten</a:t>
             </a:r>
-            <a:endParaRPr lang="de-DE"/>
           </a:p>
         </p:txBody>
       </p:sp>
@@ -1976,38 +1965,37 @@
           <a:p>
             <a:pPr lvl="0"/>
             <a:r>
-              <a:rPr lang="de-DE" smtClean="0"/>
+              <a:rPr lang="de-DE"/>
               <a:t>Formatvorlagen des Textmasters bearbeiten</a:t>
             </a:r>
           </a:p>
           <a:p>
             <a:pPr lvl="1"/>
             <a:r>
-              <a:rPr lang="de-DE" smtClean="0"/>
+              <a:rPr lang="de-DE"/>
               <a:t>Zweite Ebene</a:t>
             </a:r>
           </a:p>
           <a:p>
             <a:pPr lvl="2"/>
             <a:r>
-              <a:rPr lang="de-DE" smtClean="0"/>
+              <a:rPr lang="de-DE"/>
               <a:t>Dritte Ebene</a:t>
             </a:r>
           </a:p>
           <a:p>
             <a:pPr lvl="3"/>
             <a:r>
-              <a:rPr lang="de-DE" smtClean="0"/>
+              <a:rPr lang="de-DE"/>
               <a:t>Vierte Ebene</a:t>
             </a:r>
           </a:p>
           <a:p>
             <a:pPr lvl="4"/>
             <a:r>
-              <a:rPr lang="de-DE" smtClean="0"/>
+              <a:rPr lang="de-DE"/>
               <a:t>Fünfte Ebene</a:t>
             </a:r>
-            <a:endParaRPr lang="de-DE"/>
           </a:p>
         </p:txBody>
       </p:sp>
@@ -2070,7 +2058,7 @@
           <a:p>
             <a:pPr lvl="0"/>
             <a:r>
-              <a:rPr lang="de-DE" smtClean="0"/>
+              <a:rPr lang="de-DE"/>
               <a:t>Formatvorlagen des Textmasters bearbeiten</a:t>
             </a:r>
           </a:p>
@@ -2093,7 +2081,7 @@
           <a:p>
             <a:fld id="{D892D71B-BC74-4C8E-89AC-48793C6FC839}" type="datetimeFigureOut">
               <a:rPr lang="de-DE" smtClean="0"/>
-              <a:t>04.01.2023</a:t>
+              <a:t>23.03.25</a:t>
             </a:fld>
             <a:endParaRPr lang="de-DE"/>
           </a:p>
@@ -2135,7 +2123,7 @@
           <a:p>
             <a:fld id="{DBFD9E14-CC2D-4DC0-8F06-4855A124E51B}" type="slidenum">
               <a:rPr lang="de-DE" smtClean="0"/>
-              <a:t>‹Nr.›</a:t>
+              <a:t>‹#›</a:t>
             </a:fld>
             <a:endParaRPr lang="de-DE"/>
           </a:p>
@@ -2196,10 +2184,9 @@
           </a:lstStyle>
           <a:p>
             <a:r>
-              <a:rPr lang="de-DE" smtClean="0"/>
+              <a:rPr lang="de-DE"/>
               <a:t>Titelmasterformat durch Klicken bearbeiten</a:t>
             </a:r>
-            <a:endParaRPr lang="de-DE"/>
           </a:p>
         </p:txBody>
       </p:sp>
@@ -2323,7 +2310,7 @@
           <a:p>
             <a:pPr lvl="0"/>
             <a:r>
-              <a:rPr lang="de-DE" smtClean="0"/>
+              <a:rPr lang="de-DE"/>
               <a:t>Formatvorlagen des Textmasters bearbeiten</a:t>
             </a:r>
           </a:p>
@@ -2346,7 +2333,7 @@
           <a:p>
             <a:fld id="{D892D71B-BC74-4C8E-89AC-48793C6FC839}" type="datetimeFigureOut">
               <a:rPr lang="de-DE" smtClean="0"/>
-              <a:t>04.01.2023</a:t>
+              <a:t>23.03.25</a:t>
             </a:fld>
             <a:endParaRPr lang="de-DE"/>
           </a:p>
@@ -2388,7 +2375,7 @@
           <a:p>
             <a:fld id="{DBFD9E14-CC2D-4DC0-8F06-4855A124E51B}" type="slidenum">
               <a:rPr lang="de-DE" smtClean="0"/>
-              <a:t>‹Nr.›</a:t>
+              <a:t>‹#›</a:t>
             </a:fld>
             <a:endParaRPr lang="de-DE"/>
           </a:p>
@@ -2455,10 +2442,9 @@
           <a:lstStyle/>
           <a:p>
             <a:r>
-              <a:rPr lang="de-DE" smtClean="0"/>
+              <a:rPr lang="de-DE"/>
               <a:t>Titelmasterformat durch Klicken bearbeiten</a:t>
             </a:r>
-            <a:endParaRPr lang="de-DE"/>
           </a:p>
         </p:txBody>
       </p:sp>
@@ -2489,38 +2475,37 @@
           <a:p>
             <a:pPr lvl="0"/>
             <a:r>
-              <a:rPr lang="de-DE" smtClean="0"/>
+              <a:rPr lang="de-DE"/>
               <a:t>Formatvorlagen des Textmasters bearbeiten</a:t>
             </a:r>
           </a:p>
           <a:p>
             <a:pPr lvl="1"/>
             <a:r>
-              <a:rPr lang="de-DE" smtClean="0"/>
+              <a:rPr lang="de-DE"/>
               <a:t>Zweite Ebene</a:t>
             </a:r>
           </a:p>
           <a:p>
             <a:pPr lvl="2"/>
             <a:r>
-              <a:rPr lang="de-DE" smtClean="0"/>
+              <a:rPr lang="de-DE"/>
               <a:t>Dritte Ebene</a:t>
             </a:r>
           </a:p>
           <a:p>
             <a:pPr lvl="3"/>
             <a:r>
-              <a:rPr lang="de-DE" smtClean="0"/>
+              <a:rPr lang="de-DE"/>
               <a:t>Vierte Ebene</a:t>
             </a:r>
           </a:p>
           <a:p>
             <a:pPr lvl="4"/>
             <a:r>
-              <a:rPr lang="de-DE" smtClean="0"/>
+              <a:rPr lang="de-DE"/>
               <a:t>Fünfte Ebene</a:t>
             </a:r>
-            <a:endParaRPr lang="de-DE"/>
           </a:p>
         </p:txBody>
       </p:sp>
@@ -2559,7 +2544,7 @@
           <a:p>
             <a:fld id="{D892D71B-BC74-4C8E-89AC-48793C6FC839}" type="datetimeFigureOut">
               <a:rPr lang="de-DE" smtClean="0"/>
-              <a:t>04.01.2023</a:t>
+              <a:t>23.03.25</a:t>
             </a:fld>
             <a:endParaRPr lang="de-DE"/>
           </a:p>
@@ -2637,7 +2622,7 @@
           <a:p>
             <a:fld id="{DBFD9E14-CC2D-4DC0-8F06-4855A124E51B}" type="slidenum">
               <a:rPr lang="de-DE" smtClean="0"/>
-              <a:t>‹Nr.›</a:t>
+              <a:t>‹#›</a:t>
             </a:fld>
             <a:endParaRPr lang="de-DE"/>
           </a:p>
@@ -2952,6 +2937,2916 @@
   <p:cSld>
     <p:spTree>
       <p:nvGrpSpPr>
+        <p:cNvPr id="1" name="">
+          <a:extLst>
+            <a:ext uri="{FF2B5EF4-FFF2-40B4-BE49-F238E27FC236}">
+              <a16:creationId xmlns:a16="http://schemas.microsoft.com/office/drawing/2014/main" id="{195F4BD1-9D3E-CAA7-96A1-1D90D35076CB}"/>
+            </a:ext>
+          </a:extLst>
+        </p:cNvPr>
+        <p:cNvGrpSpPr/>
+        <p:nvPr/>
+      </p:nvGrpSpPr>
+      <p:grpSpPr>
+        <a:xfrm>
+          <a:off x="0" y="0"/>
+          <a:ext cx="0" cy="0"/>
+          <a:chOff x="0" y="0"/>
+          <a:chExt cx="0" cy="0"/>
+        </a:xfrm>
+      </p:grpSpPr>
+      <p:sp>
+        <p:nvSpPr>
+          <p:cNvPr id="28" name="Abgerundetes Rechteck 27">
+            <a:extLst>
+              <a:ext uri="{FF2B5EF4-FFF2-40B4-BE49-F238E27FC236}">
+                <a16:creationId xmlns:a16="http://schemas.microsoft.com/office/drawing/2014/main" id="{5ED75070-4496-30D6-07D2-DC164DE4615E}"/>
+              </a:ext>
+            </a:extLst>
+          </p:cNvPr>
+          <p:cNvSpPr/>
+          <p:nvPr/>
+        </p:nvSpPr>
+        <p:spPr>
+          <a:xfrm>
+            <a:off x="3072882" y="1015438"/>
+            <a:ext cx="8155495" cy="3333720"/>
+          </a:xfrm>
+          <a:prstGeom prst="roundRect">
+            <a:avLst>
+              <a:gd name="adj" fmla="val 10618"/>
+            </a:avLst>
+          </a:prstGeom>
+          <a:solidFill>
+            <a:schemeClr val="bg1">
+              <a:lumMod val="95000"/>
+            </a:schemeClr>
+          </a:solidFill>
+          <a:ln>
+            <a:solidFill>
+              <a:schemeClr val="tx1"/>
+            </a:solidFill>
+          </a:ln>
+        </p:spPr>
+        <p:style>
+          <a:lnRef idx="2">
+            <a:schemeClr val="accent1">
+              <a:shade val="50000"/>
+            </a:schemeClr>
+          </a:lnRef>
+          <a:fillRef idx="1">
+            <a:schemeClr val="accent1"/>
+          </a:fillRef>
+          <a:effectRef idx="0">
+            <a:schemeClr val="accent1"/>
+          </a:effectRef>
+          <a:fontRef idx="minor">
+            <a:schemeClr val="lt1"/>
+          </a:fontRef>
+        </p:style>
+        <p:txBody>
+          <a:bodyPr tIns="0" rtlCol="0" anchor="t" anchorCtr="0"/>
+          <a:lstStyle>
+            <a:defPPr>
+              <a:defRPr lang="de-DE"/>
+            </a:defPPr>
+            <a:lvl1pPr marL="0" algn="l" defTabSz="914400" rtl="0" eaLnBrk="1" latinLnBrk="0" hangingPunct="1">
+              <a:defRPr sz="1800" kern="1200">
+                <a:solidFill>
+                  <a:schemeClr val="lt1"/>
+                </a:solidFill>
+                <a:latin typeface="+mn-lt"/>
+                <a:ea typeface="+mn-ea"/>
+                <a:cs typeface="+mn-cs"/>
+              </a:defRPr>
+            </a:lvl1pPr>
+            <a:lvl2pPr marL="457200" algn="l" defTabSz="914400" rtl="0" eaLnBrk="1" latinLnBrk="0" hangingPunct="1">
+              <a:defRPr sz="1800" kern="1200">
+                <a:solidFill>
+                  <a:schemeClr val="lt1"/>
+                </a:solidFill>
+                <a:latin typeface="+mn-lt"/>
+                <a:ea typeface="+mn-ea"/>
+                <a:cs typeface="+mn-cs"/>
+              </a:defRPr>
+            </a:lvl2pPr>
+            <a:lvl3pPr marL="914400" algn="l" defTabSz="914400" rtl="0" eaLnBrk="1" latinLnBrk="0" hangingPunct="1">
+              <a:defRPr sz="1800" kern="1200">
+                <a:solidFill>
+                  <a:schemeClr val="lt1"/>
+                </a:solidFill>
+                <a:latin typeface="+mn-lt"/>
+                <a:ea typeface="+mn-ea"/>
+                <a:cs typeface="+mn-cs"/>
+              </a:defRPr>
+            </a:lvl3pPr>
+            <a:lvl4pPr marL="1371600" algn="l" defTabSz="914400" rtl="0" eaLnBrk="1" latinLnBrk="0" hangingPunct="1">
+              <a:defRPr sz="1800" kern="1200">
+                <a:solidFill>
+                  <a:schemeClr val="lt1"/>
+                </a:solidFill>
+                <a:latin typeface="+mn-lt"/>
+                <a:ea typeface="+mn-ea"/>
+                <a:cs typeface="+mn-cs"/>
+              </a:defRPr>
+            </a:lvl4pPr>
+            <a:lvl5pPr marL="1828800" algn="l" defTabSz="914400" rtl="0" eaLnBrk="1" latinLnBrk="0" hangingPunct="1">
+              <a:defRPr sz="1800" kern="1200">
+                <a:solidFill>
+                  <a:schemeClr val="lt1"/>
+                </a:solidFill>
+                <a:latin typeface="+mn-lt"/>
+                <a:ea typeface="+mn-ea"/>
+                <a:cs typeface="+mn-cs"/>
+              </a:defRPr>
+            </a:lvl5pPr>
+            <a:lvl6pPr marL="2286000" algn="l" defTabSz="914400" rtl="0" eaLnBrk="1" latinLnBrk="0" hangingPunct="1">
+              <a:defRPr sz="1800" kern="1200">
+                <a:solidFill>
+                  <a:schemeClr val="lt1"/>
+                </a:solidFill>
+                <a:latin typeface="+mn-lt"/>
+                <a:ea typeface="+mn-ea"/>
+                <a:cs typeface="+mn-cs"/>
+              </a:defRPr>
+            </a:lvl6pPr>
+            <a:lvl7pPr marL="2743200" algn="l" defTabSz="914400" rtl="0" eaLnBrk="1" latinLnBrk="0" hangingPunct="1">
+              <a:defRPr sz="1800" kern="1200">
+                <a:solidFill>
+                  <a:schemeClr val="lt1"/>
+                </a:solidFill>
+                <a:latin typeface="+mn-lt"/>
+                <a:ea typeface="+mn-ea"/>
+                <a:cs typeface="+mn-cs"/>
+              </a:defRPr>
+            </a:lvl7pPr>
+            <a:lvl8pPr marL="3200400" algn="l" defTabSz="914400" rtl="0" eaLnBrk="1" latinLnBrk="0" hangingPunct="1">
+              <a:defRPr sz="1800" kern="1200">
+                <a:solidFill>
+                  <a:schemeClr val="lt1"/>
+                </a:solidFill>
+                <a:latin typeface="+mn-lt"/>
+                <a:ea typeface="+mn-ea"/>
+                <a:cs typeface="+mn-cs"/>
+              </a:defRPr>
+            </a:lvl8pPr>
+            <a:lvl9pPr marL="3657600" algn="l" defTabSz="914400" rtl="0" eaLnBrk="1" latinLnBrk="0" hangingPunct="1">
+              <a:defRPr sz="1800" kern="1200">
+                <a:solidFill>
+                  <a:schemeClr val="lt1"/>
+                </a:solidFill>
+                <a:latin typeface="+mn-lt"/>
+                <a:ea typeface="+mn-ea"/>
+                <a:cs typeface="+mn-cs"/>
+              </a:defRPr>
+            </a:lvl9pPr>
+          </a:lstStyle>
+          <a:p>
+            <a:r>
+              <a:rPr lang="de-DE" sz="1200" b="1" dirty="0">
+                <a:solidFill>
+                  <a:schemeClr val="tx1"/>
+                </a:solidFill>
+                <a:cs typeface="Times New Roman" panose="02020603050405020304" pitchFamily="18" charset="0"/>
+              </a:rPr>
+              <a:t>     </a:t>
+            </a:r>
+            <a:r>
+              <a:rPr lang="de-DE" sz="1200" b="1" dirty="0" err="1">
+                <a:solidFill>
+                  <a:schemeClr val="tx1"/>
+                </a:solidFill>
+                <a:cs typeface="Times New Roman" panose="02020603050405020304" pitchFamily="18" charset="0"/>
+              </a:rPr>
+              <a:t>flixopt</a:t>
+            </a:r>
+            <a:r>
+              <a:rPr lang="de-DE" sz="1200" b="1" dirty="0">
+                <a:solidFill>
+                  <a:schemeClr val="tx1"/>
+                </a:solidFill>
+                <a:cs typeface="Times New Roman" panose="02020603050405020304" pitchFamily="18" charset="0"/>
+              </a:rPr>
+              <a:t> </a:t>
+            </a:r>
+            <a:r>
+              <a:rPr lang="de-DE" sz="1200" dirty="0" err="1">
+                <a:solidFill>
+                  <a:schemeClr val="tx1"/>
+                </a:solidFill>
+                <a:cs typeface="Times New Roman" panose="02020603050405020304" pitchFamily="18" charset="0"/>
+              </a:rPr>
+              <a:t>package</a:t>
+            </a:r>
+            <a:r>
+              <a:rPr lang="de-DE" sz="1200" dirty="0">
+                <a:solidFill>
+                  <a:schemeClr val="tx1"/>
+                </a:solidFill>
+                <a:cs typeface="Times New Roman" panose="02020603050405020304" pitchFamily="18" charset="0"/>
+              </a:rPr>
+              <a:t>        </a:t>
+            </a:r>
+          </a:p>
+          <a:p>
+            <a:pPr algn="ctr"/>
+            <a:endParaRPr lang="de-DE" sz="1200" b="1" dirty="0">
+              <a:solidFill>
+                <a:schemeClr val="tx1"/>
+              </a:solidFill>
+              <a:cs typeface="Times New Roman" panose="02020603050405020304" pitchFamily="18" charset="0"/>
+            </a:endParaRPr>
+          </a:p>
+        </p:txBody>
+      </p:sp>
+      <p:sp>
+        <p:nvSpPr>
+          <p:cNvPr id="32" name="Pfeil nach oben und unten 31">
+            <a:extLst>
+              <a:ext uri="{FF2B5EF4-FFF2-40B4-BE49-F238E27FC236}">
+                <a16:creationId xmlns:a16="http://schemas.microsoft.com/office/drawing/2014/main" id="{D7D73C3E-2631-22C3-0EAD-4061D89B8D54}"/>
+              </a:ext>
+            </a:extLst>
+          </p:cNvPr>
+          <p:cNvSpPr/>
+          <p:nvPr/>
+        </p:nvSpPr>
+        <p:spPr>
+          <a:xfrm>
+            <a:off x="6707342" y="2451027"/>
+            <a:ext cx="201336" cy="690257"/>
+          </a:xfrm>
+          <a:prstGeom prst="upDownArrow">
+            <a:avLst/>
+          </a:prstGeom>
+          <a:solidFill>
+            <a:schemeClr val="bg1">
+              <a:lumMod val="75000"/>
+            </a:schemeClr>
+          </a:solidFill>
+          <a:ln>
+            <a:solidFill>
+              <a:schemeClr val="tx1"/>
+            </a:solidFill>
+          </a:ln>
+        </p:spPr>
+        <p:style>
+          <a:lnRef idx="2">
+            <a:schemeClr val="accent1">
+              <a:shade val="50000"/>
+            </a:schemeClr>
+          </a:lnRef>
+          <a:fillRef idx="1">
+            <a:schemeClr val="accent1"/>
+          </a:fillRef>
+          <a:effectRef idx="0">
+            <a:schemeClr val="accent1"/>
+          </a:effectRef>
+          <a:fontRef idx="minor">
+            <a:schemeClr val="lt1"/>
+          </a:fontRef>
+        </p:style>
+        <p:txBody>
+          <a:bodyPr rot="0" spcFirstLastPara="0" vert="horz" wrap="square" lIns="91440" tIns="45720" rIns="91440" bIns="45720" numCol="1" spcCol="0" rtlCol="0" fromWordArt="0" anchor="ctr" anchorCtr="0" forceAA="0" compatLnSpc="1">
+            <a:prstTxWarp prst="textNoShape">
+              <a:avLst/>
+            </a:prstTxWarp>
+            <a:noAutofit/>
+          </a:bodyPr>
+          <a:lstStyle>
+            <a:defPPr>
+              <a:defRPr lang="de-DE"/>
+            </a:defPPr>
+            <a:lvl1pPr marL="0" algn="l" defTabSz="914400" rtl="0" eaLnBrk="1" latinLnBrk="0" hangingPunct="1">
+              <a:defRPr sz="1800" kern="1200">
+                <a:solidFill>
+                  <a:schemeClr val="lt1"/>
+                </a:solidFill>
+                <a:latin typeface="+mn-lt"/>
+                <a:ea typeface="+mn-ea"/>
+                <a:cs typeface="+mn-cs"/>
+              </a:defRPr>
+            </a:lvl1pPr>
+            <a:lvl2pPr marL="457200" algn="l" defTabSz="914400" rtl="0" eaLnBrk="1" latinLnBrk="0" hangingPunct="1">
+              <a:defRPr sz="1800" kern="1200">
+                <a:solidFill>
+                  <a:schemeClr val="lt1"/>
+                </a:solidFill>
+                <a:latin typeface="+mn-lt"/>
+                <a:ea typeface="+mn-ea"/>
+                <a:cs typeface="+mn-cs"/>
+              </a:defRPr>
+            </a:lvl2pPr>
+            <a:lvl3pPr marL="914400" algn="l" defTabSz="914400" rtl="0" eaLnBrk="1" latinLnBrk="0" hangingPunct="1">
+              <a:defRPr sz="1800" kern="1200">
+                <a:solidFill>
+                  <a:schemeClr val="lt1"/>
+                </a:solidFill>
+                <a:latin typeface="+mn-lt"/>
+                <a:ea typeface="+mn-ea"/>
+                <a:cs typeface="+mn-cs"/>
+              </a:defRPr>
+            </a:lvl3pPr>
+            <a:lvl4pPr marL="1371600" algn="l" defTabSz="914400" rtl="0" eaLnBrk="1" latinLnBrk="0" hangingPunct="1">
+              <a:defRPr sz="1800" kern="1200">
+                <a:solidFill>
+                  <a:schemeClr val="lt1"/>
+                </a:solidFill>
+                <a:latin typeface="+mn-lt"/>
+                <a:ea typeface="+mn-ea"/>
+                <a:cs typeface="+mn-cs"/>
+              </a:defRPr>
+            </a:lvl4pPr>
+            <a:lvl5pPr marL="1828800" algn="l" defTabSz="914400" rtl="0" eaLnBrk="1" latinLnBrk="0" hangingPunct="1">
+              <a:defRPr sz="1800" kern="1200">
+                <a:solidFill>
+                  <a:schemeClr val="lt1"/>
+                </a:solidFill>
+                <a:latin typeface="+mn-lt"/>
+                <a:ea typeface="+mn-ea"/>
+                <a:cs typeface="+mn-cs"/>
+              </a:defRPr>
+            </a:lvl5pPr>
+            <a:lvl6pPr marL="2286000" algn="l" defTabSz="914400" rtl="0" eaLnBrk="1" latinLnBrk="0" hangingPunct="1">
+              <a:defRPr sz="1800" kern="1200">
+                <a:solidFill>
+                  <a:schemeClr val="lt1"/>
+                </a:solidFill>
+                <a:latin typeface="+mn-lt"/>
+                <a:ea typeface="+mn-ea"/>
+                <a:cs typeface="+mn-cs"/>
+              </a:defRPr>
+            </a:lvl6pPr>
+            <a:lvl7pPr marL="2743200" algn="l" defTabSz="914400" rtl="0" eaLnBrk="1" latinLnBrk="0" hangingPunct="1">
+              <a:defRPr sz="1800" kern="1200">
+                <a:solidFill>
+                  <a:schemeClr val="lt1"/>
+                </a:solidFill>
+                <a:latin typeface="+mn-lt"/>
+                <a:ea typeface="+mn-ea"/>
+                <a:cs typeface="+mn-cs"/>
+              </a:defRPr>
+            </a:lvl7pPr>
+            <a:lvl8pPr marL="3200400" algn="l" defTabSz="914400" rtl="0" eaLnBrk="1" latinLnBrk="0" hangingPunct="1">
+              <a:defRPr sz="1800" kern="1200">
+                <a:solidFill>
+                  <a:schemeClr val="lt1"/>
+                </a:solidFill>
+                <a:latin typeface="+mn-lt"/>
+                <a:ea typeface="+mn-ea"/>
+                <a:cs typeface="+mn-cs"/>
+              </a:defRPr>
+            </a:lvl8pPr>
+            <a:lvl9pPr marL="3657600" algn="l" defTabSz="914400" rtl="0" eaLnBrk="1" latinLnBrk="0" hangingPunct="1">
+              <a:defRPr sz="1800" kern="1200">
+                <a:solidFill>
+                  <a:schemeClr val="lt1"/>
+                </a:solidFill>
+                <a:latin typeface="+mn-lt"/>
+                <a:ea typeface="+mn-ea"/>
+                <a:cs typeface="+mn-cs"/>
+              </a:defRPr>
+            </a:lvl9pPr>
+          </a:lstStyle>
+          <a:p>
+            <a:pPr algn="ctr"/>
+            <a:endParaRPr lang="de-DE"/>
+          </a:p>
+        </p:txBody>
+      </p:sp>
+      <p:pic>
+        <p:nvPicPr>
+          <p:cNvPr id="41" name="Grafik 40">
+            <a:extLst>
+              <a:ext uri="{FF2B5EF4-FFF2-40B4-BE49-F238E27FC236}">
+                <a16:creationId xmlns:a16="http://schemas.microsoft.com/office/drawing/2014/main" id="{DD4266A8-EFF0-5A94-FEB9-561AD98E3497}"/>
+              </a:ext>
+            </a:extLst>
+          </p:cNvPr>
+          <p:cNvPicPr>
+            <a:picLocks noChangeAspect="1"/>
+          </p:cNvPicPr>
+          <p:nvPr/>
+        </p:nvPicPr>
+        <p:blipFill>
+          <a:blip r:embed="rId2" cstate="print">
+            <a:extLst>
+              <a:ext uri="{28A0092B-C50C-407E-A947-70E740481C1C}">
+                <a14:useLocalDpi xmlns:a14="http://schemas.microsoft.com/office/drawing/2010/main" val="0"/>
+              </a:ext>
+            </a:extLst>
+          </a:blip>
+          <a:stretch>
+            <a:fillRect/>
+          </a:stretch>
+        </p:blipFill>
+        <p:spPr>
+          <a:xfrm>
+            <a:off x="4536973" y="1432100"/>
+            <a:ext cx="278592" cy="278592"/>
+          </a:xfrm>
+          <a:prstGeom prst="rect">
+            <a:avLst/>
+          </a:prstGeom>
+        </p:spPr>
+      </p:pic>
+      <p:sp>
+        <p:nvSpPr>
+          <p:cNvPr id="49" name="Pfeil nach unten 48">
+            <a:extLst>
+              <a:ext uri="{FF2B5EF4-FFF2-40B4-BE49-F238E27FC236}">
+                <a16:creationId xmlns:a16="http://schemas.microsoft.com/office/drawing/2014/main" id="{FAF0FC0C-502E-992A-CE71-1C14EDE2EBD5}"/>
+              </a:ext>
+            </a:extLst>
+          </p:cNvPr>
+          <p:cNvSpPr/>
+          <p:nvPr/>
+        </p:nvSpPr>
+        <p:spPr>
+          <a:xfrm rot="16200000">
+            <a:off x="6423981" y="1764566"/>
+            <a:ext cx="201336" cy="633967"/>
+          </a:xfrm>
+          <a:prstGeom prst="downArrow">
+            <a:avLst/>
+          </a:prstGeom>
+          <a:solidFill>
+            <a:schemeClr val="bg1">
+              <a:lumMod val="75000"/>
+            </a:schemeClr>
+          </a:solidFill>
+          <a:ln>
+            <a:solidFill>
+              <a:schemeClr val="tx1"/>
+            </a:solidFill>
+            <a:prstDash val="sysDash"/>
+          </a:ln>
+        </p:spPr>
+        <p:style>
+          <a:lnRef idx="2">
+            <a:schemeClr val="accent1">
+              <a:shade val="50000"/>
+            </a:schemeClr>
+          </a:lnRef>
+          <a:fillRef idx="1">
+            <a:schemeClr val="accent1"/>
+          </a:fillRef>
+          <a:effectRef idx="0">
+            <a:schemeClr val="accent1"/>
+          </a:effectRef>
+          <a:fontRef idx="minor">
+            <a:schemeClr val="lt1"/>
+          </a:fontRef>
+        </p:style>
+        <p:txBody>
+          <a:bodyPr rtlCol="0" anchor="ctr"/>
+          <a:lstStyle>
+            <a:defPPr>
+              <a:defRPr lang="de-DE"/>
+            </a:defPPr>
+            <a:lvl1pPr marL="0" algn="l" defTabSz="914400" rtl="0" eaLnBrk="1" latinLnBrk="0" hangingPunct="1">
+              <a:defRPr sz="1800" kern="1200">
+                <a:solidFill>
+                  <a:schemeClr val="lt1"/>
+                </a:solidFill>
+                <a:latin typeface="+mn-lt"/>
+                <a:ea typeface="+mn-ea"/>
+                <a:cs typeface="+mn-cs"/>
+              </a:defRPr>
+            </a:lvl1pPr>
+            <a:lvl2pPr marL="457200" algn="l" defTabSz="914400" rtl="0" eaLnBrk="1" latinLnBrk="0" hangingPunct="1">
+              <a:defRPr sz="1800" kern="1200">
+                <a:solidFill>
+                  <a:schemeClr val="lt1"/>
+                </a:solidFill>
+                <a:latin typeface="+mn-lt"/>
+                <a:ea typeface="+mn-ea"/>
+                <a:cs typeface="+mn-cs"/>
+              </a:defRPr>
+            </a:lvl2pPr>
+            <a:lvl3pPr marL="914400" algn="l" defTabSz="914400" rtl="0" eaLnBrk="1" latinLnBrk="0" hangingPunct="1">
+              <a:defRPr sz="1800" kern="1200">
+                <a:solidFill>
+                  <a:schemeClr val="lt1"/>
+                </a:solidFill>
+                <a:latin typeface="+mn-lt"/>
+                <a:ea typeface="+mn-ea"/>
+                <a:cs typeface="+mn-cs"/>
+              </a:defRPr>
+            </a:lvl3pPr>
+            <a:lvl4pPr marL="1371600" algn="l" defTabSz="914400" rtl="0" eaLnBrk="1" latinLnBrk="0" hangingPunct="1">
+              <a:defRPr sz="1800" kern="1200">
+                <a:solidFill>
+                  <a:schemeClr val="lt1"/>
+                </a:solidFill>
+                <a:latin typeface="+mn-lt"/>
+                <a:ea typeface="+mn-ea"/>
+                <a:cs typeface="+mn-cs"/>
+              </a:defRPr>
+            </a:lvl4pPr>
+            <a:lvl5pPr marL="1828800" algn="l" defTabSz="914400" rtl="0" eaLnBrk="1" latinLnBrk="0" hangingPunct="1">
+              <a:defRPr sz="1800" kern="1200">
+                <a:solidFill>
+                  <a:schemeClr val="lt1"/>
+                </a:solidFill>
+                <a:latin typeface="+mn-lt"/>
+                <a:ea typeface="+mn-ea"/>
+                <a:cs typeface="+mn-cs"/>
+              </a:defRPr>
+            </a:lvl5pPr>
+            <a:lvl6pPr marL="2286000" algn="l" defTabSz="914400" rtl="0" eaLnBrk="1" latinLnBrk="0" hangingPunct="1">
+              <a:defRPr sz="1800" kern="1200">
+                <a:solidFill>
+                  <a:schemeClr val="lt1"/>
+                </a:solidFill>
+                <a:latin typeface="+mn-lt"/>
+                <a:ea typeface="+mn-ea"/>
+                <a:cs typeface="+mn-cs"/>
+              </a:defRPr>
+            </a:lvl6pPr>
+            <a:lvl7pPr marL="2743200" algn="l" defTabSz="914400" rtl="0" eaLnBrk="1" latinLnBrk="0" hangingPunct="1">
+              <a:defRPr sz="1800" kern="1200">
+                <a:solidFill>
+                  <a:schemeClr val="lt1"/>
+                </a:solidFill>
+                <a:latin typeface="+mn-lt"/>
+                <a:ea typeface="+mn-ea"/>
+                <a:cs typeface="+mn-cs"/>
+              </a:defRPr>
+            </a:lvl7pPr>
+            <a:lvl8pPr marL="3200400" algn="l" defTabSz="914400" rtl="0" eaLnBrk="1" latinLnBrk="0" hangingPunct="1">
+              <a:defRPr sz="1800" kern="1200">
+                <a:solidFill>
+                  <a:schemeClr val="lt1"/>
+                </a:solidFill>
+                <a:latin typeface="+mn-lt"/>
+                <a:ea typeface="+mn-ea"/>
+                <a:cs typeface="+mn-cs"/>
+              </a:defRPr>
+            </a:lvl8pPr>
+            <a:lvl9pPr marL="3657600" algn="l" defTabSz="914400" rtl="0" eaLnBrk="1" latinLnBrk="0" hangingPunct="1">
+              <a:defRPr sz="1800" kern="1200">
+                <a:solidFill>
+                  <a:schemeClr val="lt1"/>
+                </a:solidFill>
+                <a:latin typeface="+mn-lt"/>
+                <a:ea typeface="+mn-ea"/>
+                <a:cs typeface="+mn-cs"/>
+              </a:defRPr>
+            </a:lvl9pPr>
+          </a:lstStyle>
+          <a:p>
+            <a:pPr algn="ctr"/>
+            <a:endParaRPr lang="de-DE"/>
+          </a:p>
+        </p:txBody>
+      </p:sp>
+      <p:sp>
+        <p:nvSpPr>
+          <p:cNvPr id="39" name="Abgerundetes Rechteck 38">
+            <a:extLst>
+              <a:ext uri="{FF2B5EF4-FFF2-40B4-BE49-F238E27FC236}">
+                <a16:creationId xmlns:a16="http://schemas.microsoft.com/office/drawing/2014/main" id="{5FDB078A-7658-D331-1741-C9C900F5AC9C}"/>
+              </a:ext>
+            </a:extLst>
+          </p:cNvPr>
+          <p:cNvSpPr/>
+          <p:nvPr/>
+        </p:nvSpPr>
+        <p:spPr>
+          <a:xfrm>
+            <a:off x="3289404" y="1420148"/>
+            <a:ext cx="2069724" cy="1005840"/>
+          </a:xfrm>
+          <a:prstGeom prst="roundRect">
+            <a:avLst/>
+          </a:prstGeom>
+          <a:solidFill>
+            <a:schemeClr val="bg1">
+              <a:lumMod val="85000"/>
+            </a:schemeClr>
+          </a:solidFill>
+          <a:ln w="19050">
+            <a:solidFill>
+              <a:schemeClr val="tx1"/>
+            </a:solidFill>
+          </a:ln>
+        </p:spPr>
+        <p:style>
+          <a:lnRef idx="2">
+            <a:schemeClr val="accent1">
+              <a:shade val="50000"/>
+            </a:schemeClr>
+          </a:lnRef>
+          <a:fillRef idx="1">
+            <a:schemeClr val="accent1"/>
+          </a:fillRef>
+          <a:effectRef idx="0">
+            <a:schemeClr val="accent1"/>
+          </a:effectRef>
+          <a:fontRef idx="minor">
+            <a:schemeClr val="lt1"/>
+          </a:fontRef>
+        </p:style>
+        <p:txBody>
+          <a:bodyPr rtlCol="0" anchor="t" anchorCtr="0"/>
+          <a:lstStyle>
+            <a:defPPr>
+              <a:defRPr lang="de-DE"/>
+            </a:defPPr>
+            <a:lvl1pPr marL="0" algn="l" defTabSz="914400" rtl="0" eaLnBrk="1" latinLnBrk="0" hangingPunct="1">
+              <a:defRPr sz="1800" kern="1200">
+                <a:solidFill>
+                  <a:schemeClr val="lt1"/>
+                </a:solidFill>
+                <a:latin typeface="+mn-lt"/>
+                <a:ea typeface="+mn-ea"/>
+                <a:cs typeface="+mn-cs"/>
+              </a:defRPr>
+            </a:lvl1pPr>
+            <a:lvl2pPr marL="457200" algn="l" defTabSz="914400" rtl="0" eaLnBrk="1" latinLnBrk="0" hangingPunct="1">
+              <a:defRPr sz="1800" kern="1200">
+                <a:solidFill>
+                  <a:schemeClr val="lt1"/>
+                </a:solidFill>
+                <a:latin typeface="+mn-lt"/>
+                <a:ea typeface="+mn-ea"/>
+                <a:cs typeface="+mn-cs"/>
+              </a:defRPr>
+            </a:lvl2pPr>
+            <a:lvl3pPr marL="914400" algn="l" defTabSz="914400" rtl="0" eaLnBrk="1" latinLnBrk="0" hangingPunct="1">
+              <a:defRPr sz="1800" kern="1200">
+                <a:solidFill>
+                  <a:schemeClr val="lt1"/>
+                </a:solidFill>
+                <a:latin typeface="+mn-lt"/>
+                <a:ea typeface="+mn-ea"/>
+                <a:cs typeface="+mn-cs"/>
+              </a:defRPr>
+            </a:lvl3pPr>
+            <a:lvl4pPr marL="1371600" algn="l" defTabSz="914400" rtl="0" eaLnBrk="1" latinLnBrk="0" hangingPunct="1">
+              <a:defRPr sz="1800" kern="1200">
+                <a:solidFill>
+                  <a:schemeClr val="lt1"/>
+                </a:solidFill>
+                <a:latin typeface="+mn-lt"/>
+                <a:ea typeface="+mn-ea"/>
+                <a:cs typeface="+mn-cs"/>
+              </a:defRPr>
+            </a:lvl4pPr>
+            <a:lvl5pPr marL="1828800" algn="l" defTabSz="914400" rtl="0" eaLnBrk="1" latinLnBrk="0" hangingPunct="1">
+              <a:defRPr sz="1800" kern="1200">
+                <a:solidFill>
+                  <a:schemeClr val="lt1"/>
+                </a:solidFill>
+                <a:latin typeface="+mn-lt"/>
+                <a:ea typeface="+mn-ea"/>
+                <a:cs typeface="+mn-cs"/>
+              </a:defRPr>
+            </a:lvl5pPr>
+            <a:lvl6pPr marL="2286000" algn="l" defTabSz="914400" rtl="0" eaLnBrk="1" latinLnBrk="0" hangingPunct="1">
+              <a:defRPr sz="1800" kern="1200">
+                <a:solidFill>
+                  <a:schemeClr val="lt1"/>
+                </a:solidFill>
+                <a:latin typeface="+mn-lt"/>
+                <a:ea typeface="+mn-ea"/>
+                <a:cs typeface="+mn-cs"/>
+              </a:defRPr>
+            </a:lvl6pPr>
+            <a:lvl7pPr marL="2743200" algn="l" defTabSz="914400" rtl="0" eaLnBrk="1" latinLnBrk="0" hangingPunct="1">
+              <a:defRPr sz="1800" kern="1200">
+                <a:solidFill>
+                  <a:schemeClr val="lt1"/>
+                </a:solidFill>
+                <a:latin typeface="+mn-lt"/>
+                <a:ea typeface="+mn-ea"/>
+                <a:cs typeface="+mn-cs"/>
+              </a:defRPr>
+            </a:lvl7pPr>
+            <a:lvl8pPr marL="3200400" algn="l" defTabSz="914400" rtl="0" eaLnBrk="1" latinLnBrk="0" hangingPunct="1">
+              <a:defRPr sz="1800" kern="1200">
+                <a:solidFill>
+                  <a:schemeClr val="lt1"/>
+                </a:solidFill>
+                <a:latin typeface="+mn-lt"/>
+                <a:ea typeface="+mn-ea"/>
+                <a:cs typeface="+mn-cs"/>
+              </a:defRPr>
+            </a:lvl8pPr>
+            <a:lvl9pPr marL="3657600" algn="l" defTabSz="914400" rtl="0" eaLnBrk="1" latinLnBrk="0" hangingPunct="1">
+              <a:defRPr sz="1800" kern="1200">
+                <a:solidFill>
+                  <a:schemeClr val="lt1"/>
+                </a:solidFill>
+                <a:latin typeface="+mn-lt"/>
+                <a:ea typeface="+mn-ea"/>
+                <a:cs typeface="+mn-cs"/>
+              </a:defRPr>
+            </a:lvl9pPr>
+          </a:lstStyle>
+          <a:p>
+            <a:pPr algn="ctr"/>
+            <a:r>
+              <a:rPr lang="de-DE" sz="1200" b="1" dirty="0" err="1">
+                <a:solidFill>
+                  <a:schemeClr val="tx1"/>
+                </a:solidFill>
+                <a:cs typeface="Times New Roman" panose="02020603050405020304" pitchFamily="18" charset="0"/>
+              </a:rPr>
+              <a:t>Initialization</a:t>
+            </a:r>
+            <a:endParaRPr lang="de-DE" sz="1200" b="1" dirty="0">
+              <a:solidFill>
+                <a:schemeClr val="tx1"/>
+              </a:solidFill>
+              <a:cs typeface="Times New Roman" panose="02020603050405020304" pitchFamily="18" charset="0"/>
+            </a:endParaRPr>
+          </a:p>
+          <a:p>
+            <a:pPr algn="ctr"/>
+            <a:r>
+              <a:rPr lang="de-DE" sz="1000" dirty="0">
+                <a:solidFill>
+                  <a:schemeClr val="tx1"/>
+                </a:solidFill>
+                <a:cs typeface="Times New Roman" panose="02020603050405020304" pitchFamily="18" charset="0"/>
+              </a:rPr>
+              <a:t> Create a Model </a:t>
+            </a:r>
+            <a:r>
+              <a:rPr lang="de-DE" sz="1000" dirty="0" err="1">
+                <a:solidFill>
+                  <a:schemeClr val="tx1"/>
+                </a:solidFill>
+                <a:cs typeface="Times New Roman" panose="02020603050405020304" pitchFamily="18" charset="0"/>
+              </a:rPr>
+              <a:t>through</a:t>
+            </a:r>
+            <a:r>
+              <a:rPr lang="de-DE" sz="1000" dirty="0">
+                <a:solidFill>
+                  <a:schemeClr val="tx1"/>
+                </a:solidFill>
+                <a:cs typeface="Times New Roman" panose="02020603050405020304" pitchFamily="18" charset="0"/>
+              </a:rPr>
+              <a:t> </a:t>
+            </a:r>
+            <a:r>
+              <a:rPr lang="de-DE" sz="1000" dirty="0" err="1">
+                <a:solidFill>
+                  <a:schemeClr val="tx1"/>
+                </a:solidFill>
+                <a:cs typeface="Times New Roman" panose="02020603050405020304" pitchFamily="18" charset="0"/>
+              </a:rPr>
+              <a:t>our</a:t>
+            </a:r>
+            <a:r>
+              <a:rPr lang="de-DE" sz="1000" dirty="0">
+                <a:solidFill>
+                  <a:schemeClr val="tx1"/>
+                </a:solidFill>
+                <a:cs typeface="Times New Roman" panose="02020603050405020304" pitchFamily="18" charset="0"/>
+              </a:rPr>
+              <a:t> easy-</a:t>
+            </a:r>
+            <a:r>
+              <a:rPr lang="de-DE" sz="1000" dirty="0" err="1">
+                <a:solidFill>
+                  <a:schemeClr val="tx1"/>
+                </a:solidFill>
+                <a:cs typeface="Times New Roman" panose="02020603050405020304" pitchFamily="18" charset="0"/>
+              </a:rPr>
+              <a:t>to</a:t>
+            </a:r>
+            <a:r>
+              <a:rPr lang="de-DE" sz="1000" dirty="0">
+                <a:solidFill>
+                  <a:schemeClr val="tx1"/>
+                </a:solidFill>
+                <a:cs typeface="Times New Roman" panose="02020603050405020304" pitchFamily="18" charset="0"/>
+              </a:rPr>
+              <a:t>-</a:t>
+            </a:r>
+            <a:r>
+              <a:rPr lang="de-DE" sz="1000" dirty="0" err="1">
+                <a:solidFill>
+                  <a:schemeClr val="tx1"/>
+                </a:solidFill>
+                <a:cs typeface="Times New Roman" panose="02020603050405020304" pitchFamily="18" charset="0"/>
+              </a:rPr>
+              <a:t>use</a:t>
+            </a:r>
+            <a:r>
+              <a:rPr lang="de-DE" sz="1000" dirty="0">
+                <a:solidFill>
+                  <a:schemeClr val="tx1"/>
+                </a:solidFill>
+                <a:cs typeface="Times New Roman" panose="02020603050405020304" pitchFamily="18" charset="0"/>
+              </a:rPr>
+              <a:t> Python-API</a:t>
+            </a:r>
+          </a:p>
+          <a:p>
+            <a:pPr algn="ctr"/>
+            <a:endParaRPr lang="de-DE" sz="1000" dirty="0">
+              <a:solidFill>
+                <a:schemeClr val="tx1"/>
+              </a:solidFill>
+              <a:cs typeface="Times New Roman" panose="02020603050405020304" pitchFamily="18" charset="0"/>
+            </a:endParaRPr>
+          </a:p>
+        </p:txBody>
+      </p:sp>
+      <p:sp>
+        <p:nvSpPr>
+          <p:cNvPr id="2" name="Abgerundetes Rechteck 38">
+            <a:extLst>
+              <a:ext uri="{FF2B5EF4-FFF2-40B4-BE49-F238E27FC236}">
+                <a16:creationId xmlns:a16="http://schemas.microsoft.com/office/drawing/2014/main" id="{83DFF321-40EE-DBE4-C31E-4CA1B7305F36}"/>
+              </a:ext>
+            </a:extLst>
+          </p:cNvPr>
+          <p:cNvSpPr/>
+          <p:nvPr/>
+        </p:nvSpPr>
+        <p:spPr>
+          <a:xfrm>
+            <a:off x="5773148" y="1420148"/>
+            <a:ext cx="2069724" cy="1005840"/>
+          </a:xfrm>
+          <a:prstGeom prst="roundRect">
+            <a:avLst/>
+          </a:prstGeom>
+          <a:solidFill>
+            <a:schemeClr val="bg1">
+              <a:lumMod val="85000"/>
+            </a:schemeClr>
+          </a:solidFill>
+          <a:ln w="19050">
+            <a:solidFill>
+              <a:schemeClr val="tx1"/>
+            </a:solidFill>
+          </a:ln>
+        </p:spPr>
+        <p:style>
+          <a:lnRef idx="2">
+            <a:schemeClr val="accent1">
+              <a:shade val="50000"/>
+            </a:schemeClr>
+          </a:lnRef>
+          <a:fillRef idx="1">
+            <a:schemeClr val="accent1"/>
+          </a:fillRef>
+          <a:effectRef idx="0">
+            <a:schemeClr val="accent1"/>
+          </a:effectRef>
+          <a:fontRef idx="minor">
+            <a:schemeClr val="lt1"/>
+          </a:fontRef>
+        </p:style>
+        <p:txBody>
+          <a:bodyPr rtlCol="0" anchor="t" anchorCtr="0"/>
+          <a:lstStyle>
+            <a:defPPr>
+              <a:defRPr lang="de-DE"/>
+            </a:defPPr>
+            <a:lvl1pPr marL="0" algn="l" defTabSz="914400" rtl="0" eaLnBrk="1" latinLnBrk="0" hangingPunct="1">
+              <a:defRPr sz="1800" kern="1200">
+                <a:solidFill>
+                  <a:schemeClr val="lt1"/>
+                </a:solidFill>
+                <a:latin typeface="+mn-lt"/>
+                <a:ea typeface="+mn-ea"/>
+                <a:cs typeface="+mn-cs"/>
+              </a:defRPr>
+            </a:lvl1pPr>
+            <a:lvl2pPr marL="457200" algn="l" defTabSz="914400" rtl="0" eaLnBrk="1" latinLnBrk="0" hangingPunct="1">
+              <a:defRPr sz="1800" kern="1200">
+                <a:solidFill>
+                  <a:schemeClr val="lt1"/>
+                </a:solidFill>
+                <a:latin typeface="+mn-lt"/>
+                <a:ea typeface="+mn-ea"/>
+                <a:cs typeface="+mn-cs"/>
+              </a:defRPr>
+            </a:lvl2pPr>
+            <a:lvl3pPr marL="914400" algn="l" defTabSz="914400" rtl="0" eaLnBrk="1" latinLnBrk="0" hangingPunct="1">
+              <a:defRPr sz="1800" kern="1200">
+                <a:solidFill>
+                  <a:schemeClr val="lt1"/>
+                </a:solidFill>
+                <a:latin typeface="+mn-lt"/>
+                <a:ea typeface="+mn-ea"/>
+                <a:cs typeface="+mn-cs"/>
+              </a:defRPr>
+            </a:lvl3pPr>
+            <a:lvl4pPr marL="1371600" algn="l" defTabSz="914400" rtl="0" eaLnBrk="1" latinLnBrk="0" hangingPunct="1">
+              <a:defRPr sz="1800" kern="1200">
+                <a:solidFill>
+                  <a:schemeClr val="lt1"/>
+                </a:solidFill>
+                <a:latin typeface="+mn-lt"/>
+                <a:ea typeface="+mn-ea"/>
+                <a:cs typeface="+mn-cs"/>
+              </a:defRPr>
+            </a:lvl4pPr>
+            <a:lvl5pPr marL="1828800" algn="l" defTabSz="914400" rtl="0" eaLnBrk="1" latinLnBrk="0" hangingPunct="1">
+              <a:defRPr sz="1800" kern="1200">
+                <a:solidFill>
+                  <a:schemeClr val="lt1"/>
+                </a:solidFill>
+                <a:latin typeface="+mn-lt"/>
+                <a:ea typeface="+mn-ea"/>
+                <a:cs typeface="+mn-cs"/>
+              </a:defRPr>
+            </a:lvl5pPr>
+            <a:lvl6pPr marL="2286000" algn="l" defTabSz="914400" rtl="0" eaLnBrk="1" latinLnBrk="0" hangingPunct="1">
+              <a:defRPr sz="1800" kern="1200">
+                <a:solidFill>
+                  <a:schemeClr val="lt1"/>
+                </a:solidFill>
+                <a:latin typeface="+mn-lt"/>
+                <a:ea typeface="+mn-ea"/>
+                <a:cs typeface="+mn-cs"/>
+              </a:defRPr>
+            </a:lvl6pPr>
+            <a:lvl7pPr marL="2743200" algn="l" defTabSz="914400" rtl="0" eaLnBrk="1" latinLnBrk="0" hangingPunct="1">
+              <a:defRPr sz="1800" kern="1200">
+                <a:solidFill>
+                  <a:schemeClr val="lt1"/>
+                </a:solidFill>
+                <a:latin typeface="+mn-lt"/>
+                <a:ea typeface="+mn-ea"/>
+                <a:cs typeface="+mn-cs"/>
+              </a:defRPr>
+            </a:lvl7pPr>
+            <a:lvl8pPr marL="3200400" algn="l" defTabSz="914400" rtl="0" eaLnBrk="1" latinLnBrk="0" hangingPunct="1">
+              <a:defRPr sz="1800" kern="1200">
+                <a:solidFill>
+                  <a:schemeClr val="lt1"/>
+                </a:solidFill>
+                <a:latin typeface="+mn-lt"/>
+                <a:ea typeface="+mn-ea"/>
+                <a:cs typeface="+mn-cs"/>
+              </a:defRPr>
+            </a:lvl8pPr>
+            <a:lvl9pPr marL="3657600" algn="l" defTabSz="914400" rtl="0" eaLnBrk="1" latinLnBrk="0" hangingPunct="1">
+              <a:defRPr sz="1800" kern="1200">
+                <a:solidFill>
+                  <a:schemeClr val="lt1"/>
+                </a:solidFill>
+                <a:latin typeface="+mn-lt"/>
+                <a:ea typeface="+mn-ea"/>
+                <a:cs typeface="+mn-cs"/>
+              </a:defRPr>
+            </a:lvl9pPr>
+          </a:lstStyle>
+          <a:p>
+            <a:pPr algn="ctr"/>
+            <a:r>
+              <a:rPr lang="de-DE" sz="1200" b="1" dirty="0">
+                <a:solidFill>
+                  <a:schemeClr val="tx1"/>
+                </a:solidFill>
+                <a:cs typeface="Times New Roman" panose="02020603050405020304" pitchFamily="18" charset="0"/>
+              </a:rPr>
+              <a:t>Internal Translation &amp; </a:t>
+            </a:r>
+            <a:r>
+              <a:rPr lang="de-DE" sz="1200" b="1" dirty="0" err="1">
+                <a:solidFill>
+                  <a:schemeClr val="tx1"/>
+                </a:solidFill>
+                <a:cs typeface="Times New Roman" panose="02020603050405020304" pitchFamily="18" charset="0"/>
+              </a:rPr>
+              <a:t>solving</a:t>
+            </a:r>
+            <a:endParaRPr lang="de-DE" sz="1200" b="1" dirty="0">
+              <a:solidFill>
+                <a:schemeClr val="tx1"/>
+              </a:solidFill>
+              <a:cs typeface="Times New Roman" panose="02020603050405020304" pitchFamily="18" charset="0"/>
+            </a:endParaRPr>
+          </a:p>
+          <a:p>
+            <a:pPr algn="ctr"/>
+            <a:r>
+              <a:rPr kumimoji="0" lang="de-DE" sz="1000" b="0" i="0" u="none" strike="noStrike" kern="1200" cap="none" spc="0" normalizeH="0" baseline="0" noProof="0" dirty="0" err="1">
+                <a:ln>
+                  <a:noFill/>
+                </a:ln>
+                <a:solidFill>
+                  <a:prstClr val="black"/>
+                </a:solidFill>
+                <a:effectLst/>
+                <a:uLnTx/>
+                <a:uFillTx/>
+                <a:latin typeface="Calibri" panose="020F0502020204030204"/>
+                <a:ea typeface="+mn-ea"/>
+                <a:cs typeface="Times New Roman" panose="02020603050405020304" pitchFamily="18" charset="0"/>
+              </a:rPr>
+              <a:t>translating</a:t>
+            </a:r>
+            <a:r>
+              <a:rPr kumimoji="0" lang="de-DE" sz="1000" b="0" i="0" u="none" strike="noStrike" kern="1200" cap="none" spc="0" normalizeH="0" baseline="0" noProof="0" dirty="0">
+                <a:ln>
+                  <a:noFill/>
+                </a:ln>
+                <a:solidFill>
+                  <a:prstClr val="black"/>
+                </a:solidFill>
+                <a:effectLst/>
+                <a:uLnTx/>
+                <a:uFillTx/>
+                <a:latin typeface="Calibri" panose="020F0502020204030204"/>
+                <a:ea typeface="+mn-ea"/>
+                <a:cs typeface="Times New Roman" panose="02020603050405020304" pitchFamily="18" charset="0"/>
+              </a:rPr>
+              <a:t> </a:t>
+            </a:r>
+            <a:r>
+              <a:rPr kumimoji="0" lang="de-DE" sz="1000" b="0" i="0" u="none" strike="noStrike" kern="1200" cap="none" spc="0" normalizeH="0" baseline="0" noProof="0" dirty="0" err="1">
+                <a:ln>
+                  <a:noFill/>
+                </a:ln>
+                <a:solidFill>
+                  <a:prstClr val="black"/>
+                </a:solidFill>
+                <a:effectLst/>
+                <a:uLnTx/>
+                <a:uFillTx/>
+                <a:latin typeface="Calibri" panose="020F0502020204030204"/>
+                <a:ea typeface="+mn-ea"/>
+                <a:cs typeface="Times New Roman" panose="02020603050405020304" pitchFamily="18" charset="0"/>
+              </a:rPr>
+              <a:t>interfaces</a:t>
+            </a:r>
+            <a:r>
+              <a:rPr kumimoji="0" lang="de-DE" sz="1000" b="0" i="0" u="none" strike="noStrike" kern="1200" cap="none" spc="0" normalizeH="0" baseline="0" noProof="0" dirty="0">
+                <a:ln>
+                  <a:noFill/>
+                </a:ln>
+                <a:solidFill>
+                  <a:prstClr val="black"/>
+                </a:solidFill>
+                <a:effectLst/>
+                <a:uLnTx/>
+                <a:uFillTx/>
+                <a:latin typeface="Calibri" panose="020F0502020204030204"/>
+                <a:ea typeface="+mn-ea"/>
+                <a:cs typeface="Times New Roman" panose="02020603050405020304" pitchFamily="18" charset="0"/>
+              </a:rPr>
+              <a:t> </a:t>
+            </a:r>
+            <a:r>
+              <a:rPr kumimoji="0" lang="de-DE" sz="1000" b="0" i="0" u="none" strike="noStrike" kern="1200" cap="none" spc="0" normalizeH="0" baseline="0" noProof="0" dirty="0" err="1">
+                <a:ln>
+                  <a:noFill/>
+                </a:ln>
+                <a:solidFill>
+                  <a:prstClr val="black"/>
+                </a:solidFill>
+                <a:effectLst/>
+                <a:uLnTx/>
+                <a:uFillTx/>
+                <a:latin typeface="Calibri" panose="020F0502020204030204"/>
+                <a:ea typeface="+mn-ea"/>
+                <a:cs typeface="Times New Roman" panose="02020603050405020304" pitchFamily="18" charset="0"/>
+              </a:rPr>
+              <a:t>to</a:t>
+            </a:r>
+            <a:r>
+              <a:rPr kumimoji="0" lang="de-DE" sz="1000" b="0" i="0" u="none" strike="noStrike" kern="1200" cap="none" spc="0" normalizeH="0" baseline="0" noProof="0" dirty="0">
+                <a:ln>
+                  <a:noFill/>
+                </a:ln>
+                <a:solidFill>
+                  <a:prstClr val="black"/>
+                </a:solidFill>
+                <a:effectLst/>
+                <a:uLnTx/>
+                <a:uFillTx/>
+                <a:latin typeface="Calibri" panose="020F0502020204030204"/>
+                <a:ea typeface="+mn-ea"/>
+                <a:cs typeface="Times New Roman" panose="02020603050405020304" pitchFamily="18" charset="0"/>
+              </a:rPr>
+              <a:t> variables and </a:t>
+            </a:r>
+            <a:r>
+              <a:rPr kumimoji="0" lang="de-DE" sz="1000" b="0" i="0" u="none" strike="noStrike" kern="1200" cap="none" spc="0" normalizeH="0" baseline="0" noProof="0" dirty="0" err="1">
+                <a:ln>
+                  <a:noFill/>
+                </a:ln>
+                <a:solidFill>
+                  <a:prstClr val="black"/>
+                </a:solidFill>
+                <a:effectLst/>
+                <a:uLnTx/>
+                <a:uFillTx/>
+                <a:latin typeface="Calibri" panose="020F0502020204030204"/>
+                <a:ea typeface="+mn-ea"/>
+                <a:cs typeface="Times New Roman" panose="02020603050405020304" pitchFamily="18" charset="0"/>
+              </a:rPr>
+              <a:t>constraints</a:t>
+            </a:r>
+            <a:endParaRPr lang="de-DE" sz="1000" dirty="0">
+              <a:solidFill>
+                <a:schemeClr val="tx1"/>
+              </a:solidFill>
+              <a:cs typeface="Times New Roman" panose="02020603050405020304" pitchFamily="18" charset="0"/>
+            </a:endParaRPr>
+          </a:p>
+        </p:txBody>
+      </p:sp>
+      <p:sp>
+        <p:nvSpPr>
+          <p:cNvPr id="3" name="Abgerundetes Rechteck 38">
+            <a:extLst>
+              <a:ext uri="{FF2B5EF4-FFF2-40B4-BE49-F238E27FC236}">
+                <a16:creationId xmlns:a16="http://schemas.microsoft.com/office/drawing/2014/main" id="{E3906B54-E509-0060-502B-49CA69B9A91E}"/>
+              </a:ext>
+            </a:extLst>
+          </p:cNvPr>
+          <p:cNvSpPr/>
+          <p:nvPr/>
+        </p:nvSpPr>
+        <p:spPr>
+          <a:xfrm>
+            <a:off x="8256892" y="1420148"/>
+            <a:ext cx="2069724" cy="1005840"/>
+          </a:xfrm>
+          <a:prstGeom prst="roundRect">
+            <a:avLst/>
+          </a:prstGeom>
+          <a:solidFill>
+            <a:schemeClr val="bg1">
+              <a:lumMod val="85000"/>
+            </a:schemeClr>
+          </a:solidFill>
+          <a:ln w="19050">
+            <a:solidFill>
+              <a:schemeClr val="tx1"/>
+            </a:solidFill>
+          </a:ln>
+        </p:spPr>
+        <p:style>
+          <a:lnRef idx="2">
+            <a:schemeClr val="accent1">
+              <a:shade val="50000"/>
+            </a:schemeClr>
+          </a:lnRef>
+          <a:fillRef idx="1">
+            <a:schemeClr val="accent1"/>
+          </a:fillRef>
+          <a:effectRef idx="0">
+            <a:schemeClr val="accent1"/>
+          </a:effectRef>
+          <a:fontRef idx="minor">
+            <a:schemeClr val="lt1"/>
+          </a:fontRef>
+        </p:style>
+        <p:txBody>
+          <a:bodyPr rtlCol="0" anchor="t" anchorCtr="0"/>
+          <a:lstStyle>
+            <a:defPPr>
+              <a:defRPr lang="de-DE"/>
+            </a:defPPr>
+            <a:lvl1pPr marL="0" algn="l" defTabSz="914400" rtl="0" eaLnBrk="1" latinLnBrk="0" hangingPunct="1">
+              <a:defRPr sz="1800" kern="1200">
+                <a:solidFill>
+                  <a:schemeClr val="lt1"/>
+                </a:solidFill>
+                <a:latin typeface="+mn-lt"/>
+                <a:ea typeface="+mn-ea"/>
+                <a:cs typeface="+mn-cs"/>
+              </a:defRPr>
+            </a:lvl1pPr>
+            <a:lvl2pPr marL="457200" algn="l" defTabSz="914400" rtl="0" eaLnBrk="1" latinLnBrk="0" hangingPunct="1">
+              <a:defRPr sz="1800" kern="1200">
+                <a:solidFill>
+                  <a:schemeClr val="lt1"/>
+                </a:solidFill>
+                <a:latin typeface="+mn-lt"/>
+                <a:ea typeface="+mn-ea"/>
+                <a:cs typeface="+mn-cs"/>
+              </a:defRPr>
+            </a:lvl2pPr>
+            <a:lvl3pPr marL="914400" algn="l" defTabSz="914400" rtl="0" eaLnBrk="1" latinLnBrk="0" hangingPunct="1">
+              <a:defRPr sz="1800" kern="1200">
+                <a:solidFill>
+                  <a:schemeClr val="lt1"/>
+                </a:solidFill>
+                <a:latin typeface="+mn-lt"/>
+                <a:ea typeface="+mn-ea"/>
+                <a:cs typeface="+mn-cs"/>
+              </a:defRPr>
+            </a:lvl3pPr>
+            <a:lvl4pPr marL="1371600" algn="l" defTabSz="914400" rtl="0" eaLnBrk="1" latinLnBrk="0" hangingPunct="1">
+              <a:defRPr sz="1800" kern="1200">
+                <a:solidFill>
+                  <a:schemeClr val="lt1"/>
+                </a:solidFill>
+                <a:latin typeface="+mn-lt"/>
+                <a:ea typeface="+mn-ea"/>
+                <a:cs typeface="+mn-cs"/>
+              </a:defRPr>
+            </a:lvl4pPr>
+            <a:lvl5pPr marL="1828800" algn="l" defTabSz="914400" rtl="0" eaLnBrk="1" latinLnBrk="0" hangingPunct="1">
+              <a:defRPr sz="1800" kern="1200">
+                <a:solidFill>
+                  <a:schemeClr val="lt1"/>
+                </a:solidFill>
+                <a:latin typeface="+mn-lt"/>
+                <a:ea typeface="+mn-ea"/>
+                <a:cs typeface="+mn-cs"/>
+              </a:defRPr>
+            </a:lvl5pPr>
+            <a:lvl6pPr marL="2286000" algn="l" defTabSz="914400" rtl="0" eaLnBrk="1" latinLnBrk="0" hangingPunct="1">
+              <a:defRPr sz="1800" kern="1200">
+                <a:solidFill>
+                  <a:schemeClr val="lt1"/>
+                </a:solidFill>
+                <a:latin typeface="+mn-lt"/>
+                <a:ea typeface="+mn-ea"/>
+                <a:cs typeface="+mn-cs"/>
+              </a:defRPr>
+            </a:lvl6pPr>
+            <a:lvl7pPr marL="2743200" algn="l" defTabSz="914400" rtl="0" eaLnBrk="1" latinLnBrk="0" hangingPunct="1">
+              <a:defRPr sz="1800" kern="1200">
+                <a:solidFill>
+                  <a:schemeClr val="lt1"/>
+                </a:solidFill>
+                <a:latin typeface="+mn-lt"/>
+                <a:ea typeface="+mn-ea"/>
+                <a:cs typeface="+mn-cs"/>
+              </a:defRPr>
+            </a:lvl7pPr>
+            <a:lvl8pPr marL="3200400" algn="l" defTabSz="914400" rtl="0" eaLnBrk="1" latinLnBrk="0" hangingPunct="1">
+              <a:defRPr sz="1800" kern="1200">
+                <a:solidFill>
+                  <a:schemeClr val="lt1"/>
+                </a:solidFill>
+                <a:latin typeface="+mn-lt"/>
+                <a:ea typeface="+mn-ea"/>
+                <a:cs typeface="+mn-cs"/>
+              </a:defRPr>
+            </a:lvl8pPr>
+            <a:lvl9pPr marL="3657600" algn="l" defTabSz="914400" rtl="0" eaLnBrk="1" latinLnBrk="0" hangingPunct="1">
+              <a:defRPr sz="1800" kern="1200">
+                <a:solidFill>
+                  <a:schemeClr val="lt1"/>
+                </a:solidFill>
+                <a:latin typeface="+mn-lt"/>
+                <a:ea typeface="+mn-ea"/>
+                <a:cs typeface="+mn-cs"/>
+              </a:defRPr>
+            </a:lvl9pPr>
+          </a:lstStyle>
+          <a:p>
+            <a:pPr algn="ctr"/>
+            <a:r>
+              <a:rPr lang="de-DE" sz="1200" b="1" dirty="0" err="1">
+                <a:solidFill>
+                  <a:schemeClr val="tx1"/>
+                </a:solidFill>
+                <a:cs typeface="Times New Roman" panose="02020603050405020304" pitchFamily="18" charset="0"/>
+              </a:rPr>
+              <a:t>Documentation</a:t>
+            </a:r>
+            <a:r>
+              <a:rPr lang="de-DE" sz="1200" b="1" dirty="0">
+                <a:solidFill>
+                  <a:schemeClr val="tx1"/>
+                </a:solidFill>
+                <a:cs typeface="Times New Roman" panose="02020603050405020304" pitchFamily="18" charset="0"/>
+              </a:rPr>
+              <a:t> &amp; Evaluation</a:t>
+            </a:r>
+          </a:p>
+          <a:p>
+            <a:pPr algn="ctr"/>
+            <a:r>
+              <a:rPr lang="de-DE" sz="1000" dirty="0">
+                <a:solidFill>
+                  <a:prstClr val="black"/>
+                </a:solidFill>
+                <a:latin typeface="Calibri" panose="020F0502020204030204"/>
+                <a:cs typeface="Times New Roman" panose="02020603050405020304" pitchFamily="18" charset="0"/>
+              </a:rPr>
+              <a:t>Structured </a:t>
+            </a:r>
+            <a:r>
+              <a:rPr lang="de-DE" sz="1000" dirty="0" err="1">
+                <a:solidFill>
+                  <a:prstClr val="black"/>
+                </a:solidFill>
+                <a:latin typeface="Calibri" panose="020F0502020204030204"/>
+                <a:cs typeface="Times New Roman" panose="02020603050405020304" pitchFamily="18" charset="0"/>
+              </a:rPr>
+              <a:t>access</a:t>
+            </a:r>
+            <a:r>
+              <a:rPr lang="de-DE" sz="1000" dirty="0">
+                <a:solidFill>
+                  <a:prstClr val="black"/>
+                </a:solidFill>
+                <a:latin typeface="Calibri" panose="020F0502020204030204"/>
+                <a:cs typeface="Times New Roman" panose="02020603050405020304" pitchFamily="18" charset="0"/>
+              </a:rPr>
+              <a:t> &amp; </a:t>
+            </a:r>
+            <a:r>
+              <a:rPr lang="de-DE" sz="1000" dirty="0" err="1">
+                <a:solidFill>
+                  <a:prstClr val="black"/>
+                </a:solidFill>
+                <a:latin typeface="Calibri" panose="020F0502020204030204"/>
+                <a:cs typeface="Times New Roman" panose="02020603050405020304" pitchFamily="18" charset="0"/>
+              </a:rPr>
+              <a:t>e</a:t>
+            </a:r>
+            <a:r>
+              <a:rPr kumimoji="0" lang="de-DE" sz="1000" b="0" i="0" u="none" strike="noStrike" kern="1200" cap="none" spc="0" normalizeH="0" baseline="0" noProof="0" dirty="0" err="1">
+                <a:ln>
+                  <a:noFill/>
+                </a:ln>
+                <a:solidFill>
+                  <a:prstClr val="black"/>
+                </a:solidFill>
+                <a:effectLst/>
+                <a:uLnTx/>
+                <a:uFillTx/>
+                <a:latin typeface="Calibri" panose="020F0502020204030204"/>
+                <a:ea typeface="+mn-ea"/>
+                <a:cs typeface="Times New Roman" panose="02020603050405020304" pitchFamily="18" charset="0"/>
+              </a:rPr>
+              <a:t>xport</a:t>
+            </a:r>
+            <a:r>
+              <a:rPr kumimoji="0" lang="de-DE" sz="1000" b="0" i="0" u="none" strike="noStrike" kern="1200" cap="none" spc="0" normalizeH="0" baseline="0" noProof="0" dirty="0">
+                <a:ln>
+                  <a:noFill/>
+                </a:ln>
+                <a:solidFill>
+                  <a:prstClr val="black"/>
+                </a:solidFill>
+                <a:effectLst/>
+                <a:uLnTx/>
+                <a:uFillTx/>
+                <a:latin typeface="Calibri" panose="020F0502020204030204"/>
+                <a:ea typeface="+mn-ea"/>
+                <a:cs typeface="Times New Roman" panose="02020603050405020304" pitchFamily="18" charset="0"/>
+              </a:rPr>
+              <a:t> </a:t>
+            </a:r>
+            <a:r>
+              <a:rPr kumimoji="0" lang="de-DE" sz="1000" b="0" i="0" u="none" strike="noStrike" kern="1200" cap="none" spc="0" normalizeH="0" baseline="0" noProof="0" dirty="0" err="1">
+                <a:ln>
+                  <a:noFill/>
+                </a:ln>
+                <a:solidFill>
+                  <a:prstClr val="black"/>
+                </a:solidFill>
+                <a:effectLst/>
+                <a:uLnTx/>
+                <a:uFillTx/>
+                <a:latin typeface="Calibri" panose="020F0502020204030204"/>
+                <a:ea typeface="+mn-ea"/>
+                <a:cs typeface="Times New Roman" panose="02020603050405020304" pitchFamily="18" charset="0"/>
+              </a:rPr>
+              <a:t>of</a:t>
+            </a:r>
+            <a:r>
+              <a:rPr kumimoji="0" lang="de-DE" sz="1000" b="0" i="0" u="none" strike="noStrike" kern="1200" cap="none" spc="0" normalizeH="0" baseline="0" noProof="0" dirty="0">
+                <a:ln>
+                  <a:noFill/>
+                </a:ln>
+                <a:solidFill>
+                  <a:prstClr val="black"/>
+                </a:solidFill>
+                <a:effectLst/>
+                <a:uLnTx/>
+                <a:uFillTx/>
+                <a:latin typeface="Calibri" panose="020F0502020204030204"/>
+                <a:ea typeface="+mn-ea"/>
+                <a:cs typeface="Times New Roman" panose="02020603050405020304" pitchFamily="18" charset="0"/>
+              </a:rPr>
+              <a:t> </a:t>
+            </a:r>
+            <a:r>
+              <a:rPr kumimoji="0" lang="de-DE" sz="1000" b="0" i="0" u="none" strike="noStrike" kern="1200" cap="none" spc="0" normalizeH="0" baseline="0" noProof="0" dirty="0" err="1">
+                <a:ln>
+                  <a:noFill/>
+                </a:ln>
+                <a:solidFill>
+                  <a:prstClr val="black"/>
+                </a:solidFill>
+                <a:effectLst/>
+                <a:uLnTx/>
+                <a:uFillTx/>
+                <a:latin typeface="Calibri" panose="020F0502020204030204"/>
+                <a:ea typeface="+mn-ea"/>
+                <a:cs typeface="Times New Roman" panose="02020603050405020304" pitchFamily="18" charset="0"/>
+              </a:rPr>
+              <a:t>solution</a:t>
+            </a:r>
+            <a:r>
+              <a:rPr lang="de-DE" sz="1000" dirty="0">
+                <a:solidFill>
+                  <a:prstClr val="black"/>
+                </a:solidFill>
+                <a:latin typeface="Calibri" panose="020F0502020204030204"/>
+                <a:cs typeface="Times New Roman" panose="02020603050405020304" pitchFamily="18" charset="0"/>
+              </a:rPr>
+              <a:t>s, </a:t>
+            </a:r>
+            <a:r>
+              <a:rPr lang="de-DE" sz="1000" dirty="0" err="1">
+                <a:solidFill>
+                  <a:prstClr val="black"/>
+                </a:solidFill>
+                <a:latin typeface="Calibri" panose="020F0502020204030204"/>
+                <a:cs typeface="Times New Roman" panose="02020603050405020304" pitchFamily="18" charset="0"/>
+              </a:rPr>
+              <a:t>initialization</a:t>
+            </a:r>
+            <a:r>
+              <a:rPr lang="de-DE" sz="1000" dirty="0">
+                <a:solidFill>
+                  <a:prstClr val="black"/>
+                </a:solidFill>
+                <a:latin typeface="Calibri" panose="020F0502020204030204"/>
+                <a:cs typeface="Times New Roman" panose="02020603050405020304" pitchFamily="18" charset="0"/>
+              </a:rPr>
+              <a:t> </a:t>
+            </a:r>
+            <a:r>
+              <a:rPr lang="de-DE" sz="1000" dirty="0" err="1">
+                <a:solidFill>
+                  <a:prstClr val="black"/>
+                </a:solidFill>
+                <a:latin typeface="Calibri" panose="020F0502020204030204"/>
+                <a:cs typeface="Times New Roman" panose="02020603050405020304" pitchFamily="18" charset="0"/>
+              </a:rPr>
+              <a:t>data</a:t>
+            </a:r>
+            <a:r>
+              <a:rPr lang="de-DE" sz="1000" dirty="0">
+                <a:solidFill>
+                  <a:prstClr val="black"/>
+                </a:solidFill>
+                <a:latin typeface="Calibri" panose="020F0502020204030204"/>
+                <a:cs typeface="Times New Roman" panose="02020603050405020304" pitchFamily="18" charset="0"/>
+              </a:rPr>
+              <a:t> </a:t>
+            </a:r>
+            <a:r>
+              <a:rPr kumimoji="0" lang="de-DE" sz="1000" b="0" i="0" u="none" strike="noStrike" kern="1200" cap="none" spc="0" normalizeH="0" baseline="0" noProof="0" dirty="0">
+                <a:ln>
+                  <a:noFill/>
+                </a:ln>
+                <a:solidFill>
+                  <a:prstClr val="black"/>
+                </a:solidFill>
+                <a:effectLst/>
+                <a:uLnTx/>
+                <a:uFillTx/>
+                <a:latin typeface="Calibri" panose="020F0502020204030204"/>
+                <a:ea typeface="+mn-ea"/>
+                <a:cs typeface="Times New Roman" panose="02020603050405020304" pitchFamily="18" charset="0"/>
+              </a:rPr>
+              <a:t>&amp; </a:t>
+            </a:r>
+            <a:r>
+              <a:rPr kumimoji="0" lang="de-DE" sz="1000" b="0" i="0" u="none" strike="noStrike" kern="1200" cap="none" spc="0" normalizeH="0" baseline="0" noProof="0" dirty="0" err="1">
+                <a:ln>
+                  <a:noFill/>
+                </a:ln>
+                <a:solidFill>
+                  <a:prstClr val="black"/>
+                </a:solidFill>
+                <a:effectLst/>
+                <a:uLnTx/>
+                <a:uFillTx/>
+                <a:latin typeface="Calibri" panose="020F0502020204030204"/>
+                <a:ea typeface="+mn-ea"/>
+                <a:cs typeface="Times New Roman" panose="02020603050405020304" pitchFamily="18" charset="0"/>
+              </a:rPr>
+              <a:t>more</a:t>
+            </a:r>
+            <a:r>
+              <a:rPr kumimoji="0" lang="de-DE" sz="1000" b="0" i="0" u="none" strike="noStrike" kern="1200" cap="none" spc="0" normalizeH="0" baseline="0" noProof="0" dirty="0">
+                <a:ln>
+                  <a:noFill/>
+                </a:ln>
+                <a:solidFill>
+                  <a:prstClr val="black"/>
+                </a:solidFill>
+                <a:effectLst/>
+                <a:uLnTx/>
+                <a:uFillTx/>
+                <a:latin typeface="Calibri" panose="020F0502020204030204"/>
+                <a:ea typeface="+mn-ea"/>
+                <a:cs typeface="Times New Roman" panose="02020603050405020304" pitchFamily="18" charset="0"/>
+              </a:rPr>
+              <a:t>. Restore </a:t>
+            </a:r>
+            <a:r>
+              <a:rPr kumimoji="0" lang="de-DE" sz="1000" b="0" i="0" u="none" strike="noStrike" kern="1200" cap="none" spc="0" normalizeH="0" baseline="0" noProof="0" dirty="0" err="1">
+                <a:ln>
+                  <a:noFill/>
+                </a:ln>
+                <a:solidFill>
+                  <a:prstClr val="black"/>
+                </a:solidFill>
+                <a:effectLst/>
+                <a:uLnTx/>
+                <a:uFillTx/>
+                <a:latin typeface="Calibri" panose="020F0502020204030204"/>
+                <a:ea typeface="+mn-ea"/>
+                <a:cs typeface="Times New Roman" panose="02020603050405020304" pitchFamily="18" charset="0"/>
+              </a:rPr>
+              <a:t>from</a:t>
+            </a:r>
+            <a:r>
+              <a:rPr kumimoji="0" lang="de-DE" sz="1000" b="0" i="0" u="none" strike="noStrike" kern="1200" cap="none" spc="0" normalizeH="0" baseline="0" noProof="0" dirty="0">
+                <a:ln>
+                  <a:noFill/>
+                </a:ln>
+                <a:solidFill>
+                  <a:prstClr val="black"/>
+                </a:solidFill>
+                <a:effectLst/>
+                <a:uLnTx/>
+                <a:uFillTx/>
+                <a:latin typeface="Calibri" panose="020F0502020204030204"/>
+                <a:ea typeface="+mn-ea"/>
+                <a:cs typeface="Times New Roman" panose="02020603050405020304" pitchFamily="18" charset="0"/>
+              </a:rPr>
+              <a:t> </a:t>
+            </a:r>
+            <a:r>
+              <a:rPr kumimoji="0" lang="de-DE" sz="1000" b="0" i="0" u="none" strike="noStrike" kern="1200" cap="none" spc="0" normalizeH="0" baseline="0" noProof="0" dirty="0" err="1">
+                <a:ln>
+                  <a:noFill/>
+                </a:ln>
+                <a:solidFill>
+                  <a:prstClr val="black"/>
+                </a:solidFill>
+                <a:effectLst/>
+                <a:uLnTx/>
+                <a:uFillTx/>
+                <a:latin typeface="Calibri" panose="020F0502020204030204"/>
+                <a:ea typeface="+mn-ea"/>
+                <a:cs typeface="Times New Roman" panose="02020603050405020304" pitchFamily="18" charset="0"/>
+              </a:rPr>
+              <a:t>file</a:t>
+            </a:r>
+            <a:endParaRPr kumimoji="0" lang="de-DE" sz="1000" b="0" i="0" u="none" strike="noStrike" kern="1200" cap="none" spc="0" normalizeH="0" baseline="0" noProof="0" dirty="0">
+              <a:ln>
+                <a:noFill/>
+              </a:ln>
+              <a:solidFill>
+                <a:prstClr val="black"/>
+              </a:solidFill>
+              <a:effectLst/>
+              <a:uLnTx/>
+              <a:uFillTx/>
+              <a:latin typeface="Calibri" panose="020F0502020204030204"/>
+              <a:ea typeface="+mn-ea"/>
+              <a:cs typeface="Times New Roman" panose="02020603050405020304" pitchFamily="18" charset="0"/>
+            </a:endParaRPr>
+          </a:p>
+          <a:p>
+            <a:pPr algn="ctr"/>
+            <a:endParaRPr lang="de-DE" sz="1000" dirty="0">
+              <a:solidFill>
+                <a:schemeClr val="tx1"/>
+              </a:solidFill>
+              <a:cs typeface="Times New Roman" panose="02020603050405020304" pitchFamily="18" charset="0"/>
+            </a:endParaRPr>
+          </a:p>
+        </p:txBody>
+      </p:sp>
+      <p:pic>
+        <p:nvPicPr>
+          <p:cNvPr id="10" name="Picture 9">
+            <a:extLst>
+              <a:ext uri="{FF2B5EF4-FFF2-40B4-BE49-F238E27FC236}">
+                <a16:creationId xmlns:a16="http://schemas.microsoft.com/office/drawing/2014/main" id="{CB86623A-7208-80E2-F71C-25CAC1876AF1}"/>
+              </a:ext>
+            </a:extLst>
+          </p:cNvPr>
+          <p:cNvPicPr>
+            <a:picLocks noChangeAspect="1"/>
+          </p:cNvPicPr>
+          <p:nvPr/>
+        </p:nvPicPr>
+        <p:blipFill>
+          <a:blip r:embed="rId3"/>
+          <a:stretch>
+            <a:fillRect/>
+          </a:stretch>
+        </p:blipFill>
+        <p:spPr>
+          <a:xfrm>
+            <a:off x="6870065" y="2652937"/>
+            <a:ext cx="1005436" cy="299683"/>
+          </a:xfrm>
+          <a:prstGeom prst="rect">
+            <a:avLst/>
+          </a:prstGeom>
+        </p:spPr>
+      </p:pic>
+      <p:grpSp>
+        <p:nvGrpSpPr>
+          <p:cNvPr id="68" name="Group 67">
+            <a:extLst>
+              <a:ext uri="{FF2B5EF4-FFF2-40B4-BE49-F238E27FC236}">
+                <a16:creationId xmlns:a16="http://schemas.microsoft.com/office/drawing/2014/main" id="{D4965405-48C3-31D5-DBA7-35A9DD134849}"/>
+              </a:ext>
+            </a:extLst>
+          </p:cNvPr>
+          <p:cNvGrpSpPr/>
+          <p:nvPr/>
+        </p:nvGrpSpPr>
+        <p:grpSpPr>
+          <a:xfrm>
+            <a:off x="5769079" y="3165139"/>
+            <a:ext cx="2069724" cy="432603"/>
+            <a:chOff x="5773148" y="3625310"/>
+            <a:chExt cx="2069724" cy="432603"/>
+          </a:xfrm>
+        </p:grpSpPr>
+        <p:sp>
+          <p:nvSpPr>
+            <p:cNvPr id="23" name="Abgerundetes Rechteck 33">
+              <a:extLst>
+                <a:ext uri="{FF2B5EF4-FFF2-40B4-BE49-F238E27FC236}">
+                  <a16:creationId xmlns:a16="http://schemas.microsoft.com/office/drawing/2014/main" id="{778E4B18-216A-4D48-8DBB-5CD1C07D6EA8}"/>
+                </a:ext>
+              </a:extLst>
+            </p:cNvPr>
+            <p:cNvSpPr/>
+            <p:nvPr/>
+          </p:nvSpPr>
+          <p:spPr>
+            <a:xfrm>
+              <a:off x="5773148" y="3625310"/>
+              <a:ext cx="2069724" cy="432603"/>
+            </a:xfrm>
+            <a:prstGeom prst="roundRect">
+              <a:avLst/>
+            </a:prstGeom>
+            <a:solidFill>
+              <a:schemeClr val="bg1">
+                <a:lumMod val="85000"/>
+              </a:schemeClr>
+            </a:solidFill>
+            <a:ln w="19050">
+              <a:solidFill>
+                <a:schemeClr val="tx1"/>
+              </a:solidFill>
+              <a:prstDash val="dash"/>
+            </a:ln>
+          </p:spPr>
+          <p:style>
+            <a:lnRef idx="2">
+              <a:schemeClr val="accent1">
+                <a:shade val="50000"/>
+              </a:schemeClr>
+            </a:lnRef>
+            <a:fillRef idx="1">
+              <a:schemeClr val="accent1"/>
+            </a:fillRef>
+            <a:effectRef idx="0">
+              <a:schemeClr val="accent1"/>
+            </a:effectRef>
+            <a:fontRef idx="minor">
+              <a:schemeClr val="lt1"/>
+            </a:fontRef>
+          </p:style>
+          <p:txBody>
+            <a:bodyPr rtlCol="0" anchor="ctr"/>
+            <a:lstStyle>
+              <a:defPPr>
+                <a:defRPr lang="de-DE"/>
+              </a:defPPr>
+              <a:lvl1pPr marL="0" algn="l" defTabSz="914400" rtl="0" eaLnBrk="1" latinLnBrk="0" hangingPunct="1">
+                <a:defRPr sz="1800" kern="1200">
+                  <a:solidFill>
+                    <a:schemeClr val="lt1"/>
+                  </a:solidFill>
+                  <a:latin typeface="+mn-lt"/>
+                  <a:ea typeface="+mn-ea"/>
+                  <a:cs typeface="+mn-cs"/>
+                </a:defRPr>
+              </a:lvl1pPr>
+              <a:lvl2pPr marL="457200" algn="l" defTabSz="914400" rtl="0" eaLnBrk="1" latinLnBrk="0" hangingPunct="1">
+                <a:defRPr sz="1800" kern="1200">
+                  <a:solidFill>
+                    <a:schemeClr val="lt1"/>
+                  </a:solidFill>
+                  <a:latin typeface="+mn-lt"/>
+                  <a:ea typeface="+mn-ea"/>
+                  <a:cs typeface="+mn-cs"/>
+                </a:defRPr>
+              </a:lvl2pPr>
+              <a:lvl3pPr marL="914400" algn="l" defTabSz="914400" rtl="0" eaLnBrk="1" latinLnBrk="0" hangingPunct="1">
+                <a:defRPr sz="1800" kern="1200">
+                  <a:solidFill>
+                    <a:schemeClr val="lt1"/>
+                  </a:solidFill>
+                  <a:latin typeface="+mn-lt"/>
+                  <a:ea typeface="+mn-ea"/>
+                  <a:cs typeface="+mn-cs"/>
+                </a:defRPr>
+              </a:lvl3pPr>
+              <a:lvl4pPr marL="1371600" algn="l" defTabSz="914400" rtl="0" eaLnBrk="1" latinLnBrk="0" hangingPunct="1">
+                <a:defRPr sz="1800" kern="1200">
+                  <a:solidFill>
+                    <a:schemeClr val="lt1"/>
+                  </a:solidFill>
+                  <a:latin typeface="+mn-lt"/>
+                  <a:ea typeface="+mn-ea"/>
+                  <a:cs typeface="+mn-cs"/>
+                </a:defRPr>
+              </a:lvl4pPr>
+              <a:lvl5pPr marL="1828800" algn="l" defTabSz="914400" rtl="0" eaLnBrk="1" latinLnBrk="0" hangingPunct="1">
+                <a:defRPr sz="1800" kern="1200">
+                  <a:solidFill>
+                    <a:schemeClr val="lt1"/>
+                  </a:solidFill>
+                  <a:latin typeface="+mn-lt"/>
+                  <a:ea typeface="+mn-ea"/>
+                  <a:cs typeface="+mn-cs"/>
+                </a:defRPr>
+              </a:lvl5pPr>
+              <a:lvl6pPr marL="2286000" algn="l" defTabSz="914400" rtl="0" eaLnBrk="1" latinLnBrk="0" hangingPunct="1">
+                <a:defRPr sz="1800" kern="1200">
+                  <a:solidFill>
+                    <a:schemeClr val="lt1"/>
+                  </a:solidFill>
+                  <a:latin typeface="+mn-lt"/>
+                  <a:ea typeface="+mn-ea"/>
+                  <a:cs typeface="+mn-cs"/>
+                </a:defRPr>
+              </a:lvl6pPr>
+              <a:lvl7pPr marL="2743200" algn="l" defTabSz="914400" rtl="0" eaLnBrk="1" latinLnBrk="0" hangingPunct="1">
+                <a:defRPr sz="1800" kern="1200">
+                  <a:solidFill>
+                    <a:schemeClr val="lt1"/>
+                  </a:solidFill>
+                  <a:latin typeface="+mn-lt"/>
+                  <a:ea typeface="+mn-ea"/>
+                  <a:cs typeface="+mn-cs"/>
+                </a:defRPr>
+              </a:lvl7pPr>
+              <a:lvl8pPr marL="3200400" algn="l" defTabSz="914400" rtl="0" eaLnBrk="1" latinLnBrk="0" hangingPunct="1">
+                <a:defRPr sz="1800" kern="1200">
+                  <a:solidFill>
+                    <a:schemeClr val="lt1"/>
+                  </a:solidFill>
+                  <a:latin typeface="+mn-lt"/>
+                  <a:ea typeface="+mn-ea"/>
+                  <a:cs typeface="+mn-cs"/>
+                </a:defRPr>
+              </a:lvl8pPr>
+              <a:lvl9pPr marL="3657600" algn="l" defTabSz="914400" rtl="0" eaLnBrk="1" latinLnBrk="0" hangingPunct="1">
+                <a:defRPr sz="1800" kern="1200">
+                  <a:solidFill>
+                    <a:schemeClr val="lt1"/>
+                  </a:solidFill>
+                  <a:latin typeface="+mn-lt"/>
+                  <a:ea typeface="+mn-ea"/>
+                  <a:cs typeface="+mn-cs"/>
+                </a:defRPr>
+              </a:lvl9pPr>
+            </a:lstStyle>
+            <a:p>
+              <a:r>
+                <a:rPr lang="de-DE" sz="1200" b="1" i="1" dirty="0">
+                  <a:solidFill>
+                    <a:schemeClr val="tx1"/>
+                  </a:solidFill>
+                  <a:cs typeface="Times New Roman" panose="02020603050405020304" pitchFamily="18" charset="0"/>
+                </a:rPr>
+                <a:t>MILP-Solver</a:t>
+              </a:r>
+              <a:br>
+                <a:rPr lang="de-DE" sz="1200" i="1" dirty="0">
+                  <a:solidFill>
+                    <a:schemeClr val="tx1"/>
+                  </a:solidFill>
+                  <a:cs typeface="Times New Roman" panose="02020603050405020304" pitchFamily="18" charset="0"/>
+                </a:rPr>
+              </a:br>
+              <a:r>
+                <a:rPr lang="de-DE" sz="1000" i="1" dirty="0" err="1">
+                  <a:solidFill>
+                    <a:schemeClr val="tx1"/>
+                  </a:solidFill>
+                  <a:cs typeface="Times New Roman" panose="02020603050405020304" pitchFamily="18" charset="0"/>
+                </a:rPr>
+                <a:t>HiGHS</a:t>
+              </a:r>
+              <a:r>
+                <a:rPr lang="de-DE" sz="1000" i="1" dirty="0">
+                  <a:solidFill>
+                    <a:schemeClr val="tx1"/>
+                  </a:solidFill>
+                  <a:cs typeface="Times New Roman" panose="02020603050405020304" pitchFamily="18" charset="0"/>
+                </a:rPr>
+                <a:t>, </a:t>
+              </a:r>
+              <a:r>
+                <a:rPr lang="de-DE" sz="1000" i="1" dirty="0" err="1">
+                  <a:solidFill>
+                    <a:schemeClr val="tx1"/>
+                  </a:solidFill>
+                  <a:cs typeface="Times New Roman" panose="02020603050405020304" pitchFamily="18" charset="0"/>
+                </a:rPr>
+                <a:t>Gurobi</a:t>
+              </a:r>
+              <a:r>
+                <a:rPr lang="de-DE" sz="1000" i="1" dirty="0">
+                  <a:solidFill>
+                    <a:schemeClr val="tx1"/>
+                  </a:solidFill>
+                  <a:cs typeface="Times New Roman" panose="02020603050405020304" pitchFamily="18" charset="0"/>
+                </a:rPr>
+                <a:t>, CBC, …</a:t>
+              </a:r>
+            </a:p>
+          </p:txBody>
+        </p:sp>
+        <p:pic>
+          <p:nvPicPr>
+            <p:cNvPr id="18" name="Graphic 17">
+              <a:extLst>
+                <a:ext uri="{FF2B5EF4-FFF2-40B4-BE49-F238E27FC236}">
+                  <a16:creationId xmlns:a16="http://schemas.microsoft.com/office/drawing/2014/main" id="{78D84119-3BE2-0035-CE9E-3310753E4747}"/>
+                </a:ext>
+              </a:extLst>
+            </p:cNvPr>
+            <p:cNvPicPr>
+              <a:picLocks noChangeAspect="1"/>
+            </p:cNvPicPr>
+            <p:nvPr/>
+          </p:nvPicPr>
+          <p:blipFill>
+            <a:blip r:embed="rId4">
+              <a:extLst>
+                <a:ext uri="{96DAC541-7B7A-43D3-8B79-37D633B846F1}">
+                  <asvg:svgBlip xmlns:asvg="http://schemas.microsoft.com/office/drawing/2016/SVG/main" r:embed="rId5"/>
+                </a:ext>
+              </a:extLst>
+            </a:blip>
+            <a:stretch>
+              <a:fillRect/>
+            </a:stretch>
+          </p:blipFill>
+          <p:spPr>
+            <a:xfrm>
+              <a:off x="7088121" y="3752275"/>
+              <a:ext cx="689258" cy="190974"/>
+            </a:xfrm>
+            <a:prstGeom prst="rect">
+              <a:avLst/>
+            </a:prstGeom>
+          </p:spPr>
+        </p:pic>
+      </p:grpSp>
+      <p:sp>
+        <p:nvSpPr>
+          <p:cNvPr id="56" name="Snip Single Corner Rectangle 55">
+            <a:extLst>
+              <a:ext uri="{FF2B5EF4-FFF2-40B4-BE49-F238E27FC236}">
+                <a16:creationId xmlns:a16="http://schemas.microsoft.com/office/drawing/2014/main" id="{99D464C7-2085-AFB0-D887-AD2C22E3E811}"/>
+              </a:ext>
+            </a:extLst>
+          </p:cNvPr>
+          <p:cNvSpPr/>
+          <p:nvPr/>
+        </p:nvSpPr>
+        <p:spPr>
+          <a:xfrm>
+            <a:off x="9905027" y="2568122"/>
+            <a:ext cx="790282" cy="606189"/>
+          </a:xfrm>
+          <a:prstGeom prst="snip1Rect">
+            <a:avLst/>
+          </a:prstGeom>
+          <a:solidFill>
+            <a:schemeClr val="accent4">
+              <a:lumMod val="20000"/>
+              <a:lumOff val="80000"/>
+            </a:schemeClr>
+          </a:solidFill>
+          <a:ln>
+            <a:solidFill>
+              <a:schemeClr val="tx1"/>
+            </a:solidFill>
+            <a:prstDash val="sysDash"/>
+          </a:ln>
+        </p:spPr>
+        <p:style>
+          <a:lnRef idx="2">
+            <a:schemeClr val="accent1">
+              <a:shade val="15000"/>
+            </a:schemeClr>
+          </a:lnRef>
+          <a:fillRef idx="1">
+            <a:schemeClr val="accent1"/>
+          </a:fillRef>
+          <a:effectRef idx="0">
+            <a:schemeClr val="accent1"/>
+          </a:effectRef>
+          <a:fontRef idx="minor">
+            <a:schemeClr val="lt1"/>
+          </a:fontRef>
+        </p:style>
+        <p:txBody>
+          <a:bodyPr rtlCol="0" anchor="ctr"/>
+          <a:lstStyle/>
+          <a:p>
+            <a:pPr marL="0" marR="0" lvl="0" indent="0" algn="ctr" defTabSz="914400" rtl="0" eaLnBrk="1" fontAlgn="auto" latinLnBrk="0" hangingPunct="1">
+              <a:lnSpc>
+                <a:spcPct val="100000"/>
+              </a:lnSpc>
+              <a:spcBef>
+                <a:spcPts val="0"/>
+              </a:spcBef>
+              <a:spcAft>
+                <a:spcPts val="0"/>
+              </a:spcAft>
+              <a:buClrTx/>
+              <a:buSzTx/>
+              <a:buFontTx/>
+              <a:buNone/>
+              <a:tabLst/>
+              <a:defRPr/>
+            </a:pPr>
+            <a:r>
+              <a:rPr kumimoji="0" lang="de-DE" sz="1000" i="0" u="none" strike="noStrike" kern="1200" cap="none" spc="0" normalizeH="0" baseline="0" noProof="0" dirty="0">
+                <a:ln>
+                  <a:noFill/>
+                </a:ln>
+                <a:solidFill>
+                  <a:prstClr val="black"/>
+                </a:solidFill>
+                <a:effectLst/>
+                <a:uLnTx/>
+                <a:uFillTx/>
+                <a:latin typeface="Calibri" panose="020F0502020204030204"/>
+                <a:ea typeface="+mn-ea"/>
+                <a:cs typeface="Times New Roman" panose="02020603050405020304" pitchFamily="18" charset="0"/>
+              </a:rPr>
+              <a:t>Solution </a:t>
+            </a:r>
+            <a:r>
+              <a:rPr kumimoji="0" lang="de-DE" sz="1000" i="0" u="none" strike="noStrike" kern="1200" cap="none" spc="0" normalizeH="0" baseline="0" noProof="0" dirty="0" err="1">
+                <a:ln>
+                  <a:noFill/>
+                </a:ln>
+                <a:solidFill>
+                  <a:prstClr val="black"/>
+                </a:solidFill>
+                <a:effectLst/>
+                <a:uLnTx/>
+                <a:uFillTx/>
+                <a:latin typeface="Calibri" panose="020F0502020204030204"/>
+                <a:ea typeface="+mn-ea"/>
+                <a:cs typeface="Times New Roman" panose="02020603050405020304" pitchFamily="18" charset="0"/>
+              </a:rPr>
+              <a:t>files</a:t>
+            </a:r>
+            <a:endParaRPr kumimoji="0" lang="de-DE" sz="1000" i="0" u="none" strike="noStrike" kern="1200" cap="none" spc="0" normalizeH="0" baseline="0" noProof="0" dirty="0">
+              <a:ln>
+                <a:noFill/>
+              </a:ln>
+              <a:solidFill>
+                <a:prstClr val="black"/>
+              </a:solidFill>
+              <a:effectLst/>
+              <a:uLnTx/>
+              <a:uFillTx/>
+              <a:latin typeface="Calibri" panose="020F0502020204030204"/>
+              <a:ea typeface="+mn-ea"/>
+              <a:cs typeface="Times New Roman" panose="02020603050405020304" pitchFamily="18" charset="0"/>
+            </a:endParaRPr>
+          </a:p>
+        </p:txBody>
+      </p:sp>
+      <p:sp>
+        <p:nvSpPr>
+          <p:cNvPr id="57" name="Snip Single Corner Rectangle 56">
+            <a:extLst>
+              <a:ext uri="{FF2B5EF4-FFF2-40B4-BE49-F238E27FC236}">
+                <a16:creationId xmlns:a16="http://schemas.microsoft.com/office/drawing/2014/main" id="{1413ACB4-5703-0809-EB01-0B21779CF448}"/>
+              </a:ext>
+            </a:extLst>
+          </p:cNvPr>
+          <p:cNvSpPr/>
+          <p:nvPr/>
+        </p:nvSpPr>
+        <p:spPr>
+          <a:xfrm>
+            <a:off x="9905027" y="3298458"/>
+            <a:ext cx="790282" cy="606189"/>
+          </a:xfrm>
+          <a:prstGeom prst="snip1Rect">
+            <a:avLst/>
+          </a:prstGeom>
+          <a:solidFill>
+            <a:schemeClr val="accent4">
+              <a:lumMod val="20000"/>
+              <a:lumOff val="80000"/>
+            </a:schemeClr>
+          </a:solidFill>
+          <a:ln>
+            <a:solidFill>
+              <a:schemeClr val="tx1"/>
+            </a:solidFill>
+            <a:prstDash val="sysDash"/>
+          </a:ln>
+        </p:spPr>
+        <p:style>
+          <a:lnRef idx="2">
+            <a:schemeClr val="accent1">
+              <a:shade val="15000"/>
+            </a:schemeClr>
+          </a:lnRef>
+          <a:fillRef idx="1">
+            <a:schemeClr val="accent1"/>
+          </a:fillRef>
+          <a:effectRef idx="0">
+            <a:schemeClr val="accent1"/>
+          </a:effectRef>
+          <a:fontRef idx="minor">
+            <a:schemeClr val="lt1"/>
+          </a:fontRef>
+        </p:style>
+        <p:txBody>
+          <a:bodyPr rtlCol="0" anchor="ctr"/>
+          <a:lstStyle/>
+          <a:p>
+            <a:pPr marL="0" marR="0" lvl="0" indent="0" algn="ctr" defTabSz="914400" rtl="0" eaLnBrk="1" fontAlgn="auto" latinLnBrk="0" hangingPunct="1">
+              <a:lnSpc>
+                <a:spcPct val="100000"/>
+              </a:lnSpc>
+              <a:spcBef>
+                <a:spcPts val="0"/>
+              </a:spcBef>
+              <a:spcAft>
+                <a:spcPts val="0"/>
+              </a:spcAft>
+              <a:buClrTx/>
+              <a:buSzTx/>
+              <a:buFontTx/>
+              <a:buNone/>
+              <a:tabLst/>
+              <a:defRPr/>
+            </a:pPr>
+            <a:r>
+              <a:rPr lang="de-DE" sz="1000" dirty="0">
+                <a:solidFill>
+                  <a:prstClr val="black"/>
+                </a:solidFill>
+                <a:latin typeface="Calibri" panose="020F0502020204030204"/>
+                <a:cs typeface="Times New Roman" panose="02020603050405020304" pitchFamily="18" charset="0"/>
+              </a:rPr>
+              <a:t>User Interface </a:t>
+            </a:r>
+            <a:r>
+              <a:rPr lang="de-DE" sz="1000" dirty="0" err="1">
+                <a:solidFill>
+                  <a:prstClr val="black"/>
+                </a:solidFill>
+                <a:latin typeface="Calibri" panose="020F0502020204030204"/>
+                <a:cs typeface="Times New Roman" panose="02020603050405020304" pitchFamily="18" charset="0"/>
+              </a:rPr>
+              <a:t>files</a:t>
+            </a:r>
+            <a:endParaRPr kumimoji="0" lang="de-DE" sz="1000" i="0" u="none" strike="noStrike" kern="1200" cap="none" spc="0" normalizeH="0" baseline="0" noProof="0" dirty="0">
+              <a:ln>
+                <a:noFill/>
+              </a:ln>
+              <a:solidFill>
+                <a:prstClr val="black"/>
+              </a:solidFill>
+              <a:effectLst/>
+              <a:uLnTx/>
+              <a:uFillTx/>
+              <a:latin typeface="Calibri" panose="020F0502020204030204"/>
+              <a:ea typeface="+mn-ea"/>
+              <a:cs typeface="Times New Roman" panose="02020603050405020304" pitchFamily="18" charset="0"/>
+            </a:endParaRPr>
+          </a:p>
+        </p:txBody>
+      </p:sp>
+      <p:cxnSp>
+        <p:nvCxnSpPr>
+          <p:cNvPr id="58" name="Elbow Connector 57">
+            <a:extLst>
+              <a:ext uri="{FF2B5EF4-FFF2-40B4-BE49-F238E27FC236}">
+                <a16:creationId xmlns:a16="http://schemas.microsoft.com/office/drawing/2014/main" id="{8AF6A9E3-4D74-4DB8-9046-886FF1B2636D}"/>
+              </a:ext>
+            </a:extLst>
+          </p:cNvPr>
+          <p:cNvCxnSpPr>
+            <a:cxnSpLocks/>
+            <a:stCxn id="3" idx="2"/>
+            <a:endCxn id="56" idx="2"/>
+          </p:cNvCxnSpPr>
+          <p:nvPr/>
+        </p:nvCxnSpPr>
+        <p:spPr>
+          <a:xfrm rot="16200000" flipH="1">
+            <a:off x="9375776" y="2341965"/>
+            <a:ext cx="445229" cy="613273"/>
+          </a:xfrm>
+          <a:prstGeom prst="bentConnector2">
+            <a:avLst/>
+          </a:prstGeom>
+          <a:ln w="9525">
+            <a:solidFill>
+              <a:schemeClr val="tx1"/>
+            </a:solidFill>
+            <a:prstDash val="sysDash"/>
+            <a:headEnd type="triangle" w="med" len="med"/>
+            <a:tailEnd type="triangle" w="med" len="med"/>
+          </a:ln>
+        </p:spPr>
+        <p:style>
+          <a:lnRef idx="1">
+            <a:schemeClr val="dk1"/>
+          </a:lnRef>
+          <a:fillRef idx="0">
+            <a:schemeClr val="dk1"/>
+          </a:fillRef>
+          <a:effectRef idx="0">
+            <a:schemeClr val="dk1"/>
+          </a:effectRef>
+          <a:fontRef idx="minor">
+            <a:schemeClr val="tx1"/>
+          </a:fontRef>
+        </p:style>
+      </p:cxnSp>
+      <p:cxnSp>
+        <p:nvCxnSpPr>
+          <p:cNvPr id="61" name="Elbow Connector 60">
+            <a:extLst>
+              <a:ext uri="{FF2B5EF4-FFF2-40B4-BE49-F238E27FC236}">
+                <a16:creationId xmlns:a16="http://schemas.microsoft.com/office/drawing/2014/main" id="{0FD43D55-DE07-B643-AA5B-26314AEC9F46}"/>
+              </a:ext>
+            </a:extLst>
+          </p:cNvPr>
+          <p:cNvCxnSpPr>
+            <a:cxnSpLocks/>
+            <a:stCxn id="3" idx="2"/>
+            <a:endCxn id="57" idx="2"/>
+          </p:cNvCxnSpPr>
+          <p:nvPr/>
+        </p:nvCxnSpPr>
+        <p:spPr>
+          <a:xfrm rot="16200000" flipH="1">
+            <a:off x="9010608" y="2707133"/>
+            <a:ext cx="1175565" cy="613273"/>
+          </a:xfrm>
+          <a:prstGeom prst="bentConnector2">
+            <a:avLst/>
+          </a:prstGeom>
+          <a:ln w="9525">
+            <a:solidFill>
+              <a:schemeClr val="tx1"/>
+            </a:solidFill>
+            <a:prstDash val="sysDash"/>
+            <a:headEnd type="triangle" w="med" len="med"/>
+            <a:tailEnd type="triangle" w="med" len="med"/>
+          </a:ln>
+        </p:spPr>
+        <p:style>
+          <a:lnRef idx="1">
+            <a:schemeClr val="dk1"/>
+          </a:lnRef>
+          <a:fillRef idx="0">
+            <a:schemeClr val="dk1"/>
+          </a:fillRef>
+          <a:effectRef idx="0">
+            <a:schemeClr val="dk1"/>
+          </a:effectRef>
+          <a:fontRef idx="minor">
+            <a:schemeClr val="tx1"/>
+          </a:fontRef>
+        </p:style>
+      </p:cxnSp>
+      <p:cxnSp>
+        <p:nvCxnSpPr>
+          <p:cNvPr id="64" name="Elbow Connector 63">
+            <a:extLst>
+              <a:ext uri="{FF2B5EF4-FFF2-40B4-BE49-F238E27FC236}">
+                <a16:creationId xmlns:a16="http://schemas.microsoft.com/office/drawing/2014/main" id="{1FD764AB-0E8D-5773-C866-80412FABD7EA}"/>
+              </a:ext>
+            </a:extLst>
+          </p:cNvPr>
+          <p:cNvCxnSpPr>
+            <a:cxnSpLocks/>
+            <a:stCxn id="57" idx="1"/>
+            <a:endCxn id="39" idx="2"/>
+          </p:cNvCxnSpPr>
+          <p:nvPr/>
+        </p:nvCxnSpPr>
+        <p:spPr>
+          <a:xfrm rot="5400000" flipH="1">
+            <a:off x="6572887" y="177367"/>
+            <a:ext cx="1478659" cy="5975902"/>
+          </a:xfrm>
+          <a:prstGeom prst="bentConnector3">
+            <a:avLst>
+              <a:gd name="adj1" fmla="val -5775"/>
+            </a:avLst>
+          </a:prstGeom>
+          <a:ln w="9525">
+            <a:solidFill>
+              <a:schemeClr val="bg1">
+                <a:lumMod val="65000"/>
+              </a:schemeClr>
+            </a:solidFill>
+            <a:prstDash val="sysDash"/>
+            <a:tailEnd type="triangle"/>
+          </a:ln>
+        </p:spPr>
+        <p:style>
+          <a:lnRef idx="1">
+            <a:schemeClr val="dk1"/>
+          </a:lnRef>
+          <a:fillRef idx="0">
+            <a:schemeClr val="dk1"/>
+          </a:fillRef>
+          <a:effectRef idx="0">
+            <a:schemeClr val="dk1"/>
+          </a:effectRef>
+          <a:fontRef idx="minor">
+            <a:schemeClr val="tx1"/>
+          </a:fontRef>
+        </p:style>
+      </p:cxnSp>
+      <p:sp>
+        <p:nvSpPr>
+          <p:cNvPr id="25" name="Down Arrow 24">
+            <a:extLst>
+              <a:ext uri="{FF2B5EF4-FFF2-40B4-BE49-F238E27FC236}">
+                <a16:creationId xmlns:a16="http://schemas.microsoft.com/office/drawing/2014/main" id="{14DE1E42-1032-A8D0-3498-BCDEFC796FE1}"/>
+              </a:ext>
+            </a:extLst>
+          </p:cNvPr>
+          <p:cNvSpPr/>
+          <p:nvPr/>
+        </p:nvSpPr>
+        <p:spPr>
+          <a:xfrm rot="16200000">
+            <a:off x="5473523" y="1754753"/>
+            <a:ext cx="195557" cy="347472"/>
+          </a:xfrm>
+          <a:prstGeom prst="downArrow">
+            <a:avLst/>
+          </a:prstGeom>
+          <a:solidFill>
+            <a:schemeClr val="bg1">
+              <a:lumMod val="75000"/>
+            </a:schemeClr>
+          </a:solidFill>
+          <a:ln>
+            <a:solidFill>
+              <a:schemeClr val="tx1"/>
+            </a:solidFill>
+          </a:ln>
+        </p:spPr>
+        <p:style>
+          <a:lnRef idx="2">
+            <a:schemeClr val="accent1">
+              <a:shade val="15000"/>
+            </a:schemeClr>
+          </a:lnRef>
+          <a:fillRef idx="1">
+            <a:schemeClr val="accent1"/>
+          </a:fillRef>
+          <a:effectRef idx="0">
+            <a:schemeClr val="accent1"/>
+          </a:effectRef>
+          <a:fontRef idx="minor">
+            <a:schemeClr val="lt1"/>
+          </a:fontRef>
+        </p:style>
+        <p:txBody>
+          <a:bodyPr rtlCol="0" anchor="ctr"/>
+          <a:lstStyle/>
+          <a:p>
+            <a:pPr algn="ctr"/>
+            <a:endParaRPr lang="en-US"/>
+          </a:p>
+        </p:txBody>
+      </p:sp>
+      <p:sp>
+        <p:nvSpPr>
+          <p:cNvPr id="26" name="Down Arrow 25">
+            <a:extLst>
+              <a:ext uri="{FF2B5EF4-FFF2-40B4-BE49-F238E27FC236}">
+                <a16:creationId xmlns:a16="http://schemas.microsoft.com/office/drawing/2014/main" id="{350FB7C7-515E-1A42-7B15-F8257EB40889}"/>
+              </a:ext>
+            </a:extLst>
+          </p:cNvPr>
+          <p:cNvSpPr/>
+          <p:nvPr/>
+        </p:nvSpPr>
+        <p:spPr>
+          <a:xfrm rot="16200000">
+            <a:off x="7954643" y="1749331"/>
+            <a:ext cx="195557" cy="347472"/>
+          </a:xfrm>
+          <a:prstGeom prst="downArrow">
+            <a:avLst/>
+          </a:prstGeom>
+          <a:solidFill>
+            <a:schemeClr val="bg1">
+              <a:lumMod val="75000"/>
+            </a:schemeClr>
+          </a:solidFill>
+          <a:ln>
+            <a:solidFill>
+              <a:schemeClr val="tx1"/>
+            </a:solidFill>
+          </a:ln>
+        </p:spPr>
+        <p:style>
+          <a:lnRef idx="2">
+            <a:schemeClr val="accent1">
+              <a:shade val="15000"/>
+            </a:schemeClr>
+          </a:lnRef>
+          <a:fillRef idx="1">
+            <a:schemeClr val="accent1"/>
+          </a:fillRef>
+          <a:effectRef idx="0">
+            <a:schemeClr val="accent1"/>
+          </a:effectRef>
+          <a:fontRef idx="minor">
+            <a:schemeClr val="lt1"/>
+          </a:fontRef>
+        </p:style>
+        <p:txBody>
+          <a:bodyPr rtlCol="0" anchor="ctr"/>
+          <a:lstStyle/>
+          <a:p>
+            <a:pPr algn="ctr"/>
+            <a:endParaRPr lang="en-US"/>
+          </a:p>
+        </p:txBody>
+      </p:sp>
+      <p:pic>
+        <p:nvPicPr>
+          <p:cNvPr id="43" name="Picture 2">
+            <a:extLst>
+              <a:ext uri="{FF2B5EF4-FFF2-40B4-BE49-F238E27FC236}">
+                <a16:creationId xmlns:a16="http://schemas.microsoft.com/office/drawing/2014/main" id="{04C9C386-57BA-9B53-248C-EF533DC81E70}"/>
+              </a:ext>
+            </a:extLst>
+          </p:cNvPr>
+          <p:cNvPicPr>
+            <a:picLocks noChangeAspect="1" noChangeArrowheads="1"/>
+          </p:cNvPicPr>
+          <p:nvPr/>
+        </p:nvPicPr>
+        <p:blipFill>
+          <a:blip r:embed="rId6">
+            <a:extLst>
+              <a:ext uri="{28A0092B-C50C-407E-A947-70E740481C1C}">
+                <a14:useLocalDpi xmlns:a14="http://schemas.microsoft.com/office/drawing/2010/main" val="0"/>
+              </a:ext>
+            </a:extLst>
+          </a:blip>
+          <a:srcRect/>
+          <a:stretch>
+            <a:fillRect/>
+          </a:stretch>
+        </p:blipFill>
+        <p:spPr bwMode="auto">
+          <a:xfrm>
+            <a:off x="4361231" y="1068676"/>
+            <a:ext cx="429291" cy="241539"/>
+          </a:xfrm>
+          <a:prstGeom prst="rect">
+            <a:avLst/>
+          </a:prstGeom>
+          <a:noFill/>
+          <a:extLst>
+            <a:ext uri="{909E8E84-426E-40DD-AFC4-6F175D3DCCD1}">
+              <a14:hiddenFill xmlns:a14="http://schemas.microsoft.com/office/drawing/2010/main">
+                <a:solidFill>
+                  <a:srgbClr val="FFFFFF"/>
+                </a:solidFill>
+              </a14:hiddenFill>
+            </a:ext>
+          </a:extLst>
+        </p:spPr>
+      </p:pic>
+      <p:pic>
+        <p:nvPicPr>
+          <p:cNvPr id="63" name="Graphic 62">
+            <a:extLst>
+              <a:ext uri="{FF2B5EF4-FFF2-40B4-BE49-F238E27FC236}">
+                <a16:creationId xmlns:a16="http://schemas.microsoft.com/office/drawing/2014/main" id="{CA8129F0-3F49-47ED-9B44-78FADCF3FB1D}"/>
+              </a:ext>
+            </a:extLst>
+          </p:cNvPr>
+          <p:cNvPicPr>
+            <a:picLocks noChangeAspect="1"/>
+          </p:cNvPicPr>
+          <p:nvPr/>
+        </p:nvPicPr>
+        <p:blipFill>
+          <a:blip r:embed="rId7">
+            <a:extLst>
+              <a:ext uri="{96DAC541-7B7A-43D3-8B79-37D633B846F1}">
+                <asvg:svgBlip xmlns:asvg="http://schemas.microsoft.com/office/drawing/2016/SVG/main" r:embed="rId8"/>
+              </a:ext>
+            </a:extLst>
+          </a:blip>
+          <a:stretch>
+            <a:fillRect/>
+          </a:stretch>
+        </p:blipFill>
+        <p:spPr>
+          <a:xfrm>
+            <a:off x="10610408" y="3025400"/>
+            <a:ext cx="494888" cy="247444"/>
+          </a:xfrm>
+          <a:prstGeom prst="rect">
+            <a:avLst/>
+          </a:prstGeom>
+        </p:spPr>
+      </p:pic>
+      <p:pic>
+        <p:nvPicPr>
+          <p:cNvPr id="67" name="Graphic 66">
+            <a:extLst>
+              <a:ext uri="{FF2B5EF4-FFF2-40B4-BE49-F238E27FC236}">
+                <a16:creationId xmlns:a16="http://schemas.microsoft.com/office/drawing/2014/main" id="{1068CA9C-4A41-8C98-E0A0-DD1FD13E7715}"/>
+              </a:ext>
+            </a:extLst>
+          </p:cNvPr>
+          <p:cNvPicPr>
+            <a:picLocks noChangeAspect="1"/>
+          </p:cNvPicPr>
+          <p:nvPr/>
+        </p:nvPicPr>
+        <p:blipFill>
+          <a:blip r:embed="rId7">
+            <a:extLst>
+              <a:ext uri="{96DAC541-7B7A-43D3-8B79-37D633B846F1}">
+                <asvg:svgBlip xmlns:asvg="http://schemas.microsoft.com/office/drawing/2016/SVG/main" r:embed="rId8"/>
+              </a:ext>
+            </a:extLst>
+          </a:blip>
+          <a:stretch>
+            <a:fillRect/>
+          </a:stretch>
+        </p:blipFill>
+        <p:spPr>
+          <a:xfrm>
+            <a:off x="10610408" y="3752275"/>
+            <a:ext cx="494888" cy="247444"/>
+          </a:xfrm>
+          <a:prstGeom prst="rect">
+            <a:avLst/>
+          </a:prstGeom>
+        </p:spPr>
+      </p:pic>
+      <p:sp>
+        <p:nvSpPr>
+          <p:cNvPr id="71" name="TextBox 70">
+            <a:extLst>
+              <a:ext uri="{FF2B5EF4-FFF2-40B4-BE49-F238E27FC236}">
+                <a16:creationId xmlns:a16="http://schemas.microsoft.com/office/drawing/2014/main" id="{061803A5-98C5-37B4-D944-0BC32D309593}"/>
+              </a:ext>
+            </a:extLst>
+          </p:cNvPr>
+          <p:cNvSpPr txBox="1"/>
+          <p:nvPr/>
+        </p:nvSpPr>
+        <p:spPr>
+          <a:xfrm>
+            <a:off x="9179986" y="2613417"/>
+            <a:ext cx="755604" cy="246221"/>
+          </a:xfrm>
+          <a:prstGeom prst="rect">
+            <a:avLst/>
+          </a:prstGeom>
+          <a:noFill/>
+        </p:spPr>
+        <p:txBody>
+          <a:bodyPr wrap="square">
+            <a:spAutoFit/>
+          </a:bodyPr>
+          <a:lstStyle/>
+          <a:p>
+            <a:pPr algn="ctr"/>
+            <a:r>
+              <a:rPr lang="de-DE" sz="1000" dirty="0">
+                <a:solidFill>
+                  <a:schemeClr val="bg1">
+                    <a:lumMod val="50000"/>
+                  </a:schemeClr>
+                </a:solidFill>
+                <a:cs typeface="Times New Roman" panose="02020603050405020304" pitchFamily="18" charset="0"/>
+              </a:rPr>
+              <a:t>File I/O</a:t>
+            </a:r>
+          </a:p>
+        </p:txBody>
+      </p:sp>
+      <p:sp>
+        <p:nvSpPr>
+          <p:cNvPr id="73" name="Snip Single Corner Rectangle 72">
+            <a:extLst>
+              <a:ext uri="{FF2B5EF4-FFF2-40B4-BE49-F238E27FC236}">
+                <a16:creationId xmlns:a16="http://schemas.microsoft.com/office/drawing/2014/main" id="{1BD653E5-9F93-21CC-0C41-56987478A03C}"/>
+              </a:ext>
+            </a:extLst>
+          </p:cNvPr>
+          <p:cNvSpPr/>
+          <p:nvPr/>
+        </p:nvSpPr>
+        <p:spPr>
+          <a:xfrm>
+            <a:off x="4561386" y="3170145"/>
+            <a:ext cx="790282" cy="606189"/>
+          </a:xfrm>
+          <a:prstGeom prst="snip1Rect">
+            <a:avLst/>
+          </a:prstGeom>
+          <a:solidFill>
+            <a:schemeClr val="accent4">
+              <a:lumMod val="20000"/>
+              <a:lumOff val="80000"/>
+            </a:schemeClr>
+          </a:solidFill>
+          <a:ln>
+            <a:solidFill>
+              <a:schemeClr val="tx1"/>
+            </a:solidFill>
+            <a:prstDash val="sysDash"/>
+          </a:ln>
+        </p:spPr>
+        <p:style>
+          <a:lnRef idx="2">
+            <a:schemeClr val="accent1">
+              <a:shade val="15000"/>
+            </a:schemeClr>
+          </a:lnRef>
+          <a:fillRef idx="1">
+            <a:schemeClr val="accent1"/>
+          </a:fillRef>
+          <a:effectRef idx="0">
+            <a:schemeClr val="accent1"/>
+          </a:effectRef>
+          <a:fontRef idx="minor">
+            <a:schemeClr val="lt1"/>
+          </a:fontRef>
+        </p:style>
+        <p:txBody>
+          <a:bodyPr rtlCol="0" anchor="ctr"/>
+          <a:lstStyle/>
+          <a:p>
+            <a:pPr marL="0" marR="0" lvl="0" indent="0" algn="ctr" defTabSz="914400" rtl="0" eaLnBrk="1" fontAlgn="auto" latinLnBrk="0" hangingPunct="1">
+              <a:lnSpc>
+                <a:spcPct val="100000"/>
+              </a:lnSpc>
+              <a:spcBef>
+                <a:spcPts val="0"/>
+              </a:spcBef>
+              <a:spcAft>
+                <a:spcPts val="0"/>
+              </a:spcAft>
+              <a:buClrTx/>
+              <a:buSzTx/>
+              <a:buFontTx/>
+              <a:buNone/>
+              <a:tabLst/>
+              <a:defRPr/>
+            </a:pPr>
+            <a:r>
+              <a:rPr lang="de-DE" sz="1000" dirty="0">
+                <a:solidFill>
+                  <a:prstClr val="black"/>
+                </a:solidFill>
+                <a:latin typeface="Calibri" panose="020F0502020204030204"/>
+                <a:cs typeface="Times New Roman" panose="02020603050405020304" pitchFamily="18" charset="0"/>
+              </a:rPr>
+              <a:t>User Interface </a:t>
+            </a:r>
+            <a:r>
+              <a:rPr lang="de-DE" sz="1000" dirty="0" err="1">
+                <a:solidFill>
+                  <a:prstClr val="black"/>
+                </a:solidFill>
+                <a:latin typeface="Calibri" panose="020F0502020204030204"/>
+                <a:cs typeface="Times New Roman" panose="02020603050405020304" pitchFamily="18" charset="0"/>
+              </a:rPr>
+              <a:t>files</a:t>
+            </a:r>
+            <a:endParaRPr kumimoji="0" lang="de-DE" sz="1000" u="none" strike="noStrike" kern="1200" cap="none" spc="0" normalizeH="0" baseline="0" noProof="0" dirty="0">
+              <a:ln>
+                <a:noFill/>
+              </a:ln>
+              <a:solidFill>
+                <a:prstClr val="black"/>
+              </a:solidFill>
+              <a:effectLst/>
+              <a:uLnTx/>
+              <a:uFillTx/>
+              <a:latin typeface="Calibri" panose="020F0502020204030204"/>
+              <a:ea typeface="+mn-ea"/>
+              <a:cs typeface="Times New Roman" panose="02020603050405020304" pitchFamily="18" charset="0"/>
+            </a:endParaRPr>
+          </a:p>
+        </p:txBody>
+      </p:sp>
+      <p:cxnSp>
+        <p:nvCxnSpPr>
+          <p:cNvPr id="74" name="Elbow Connector 73">
+            <a:extLst>
+              <a:ext uri="{FF2B5EF4-FFF2-40B4-BE49-F238E27FC236}">
+                <a16:creationId xmlns:a16="http://schemas.microsoft.com/office/drawing/2014/main" id="{1D66449A-203F-49AB-0D40-984A2DF6E897}"/>
+              </a:ext>
+            </a:extLst>
+          </p:cNvPr>
+          <p:cNvCxnSpPr>
+            <a:cxnSpLocks/>
+            <a:stCxn id="39" idx="2"/>
+            <a:endCxn id="73" idx="2"/>
+          </p:cNvCxnSpPr>
+          <p:nvPr/>
+        </p:nvCxnSpPr>
+        <p:spPr>
+          <a:xfrm rot="16200000" flipH="1">
+            <a:off x="3919200" y="2831054"/>
+            <a:ext cx="1047252" cy="237120"/>
+          </a:xfrm>
+          <a:prstGeom prst="bentConnector2">
+            <a:avLst/>
+          </a:prstGeom>
+          <a:ln w="9525">
+            <a:solidFill>
+              <a:schemeClr val="tx1"/>
+            </a:solidFill>
+            <a:prstDash val="sysDash"/>
+            <a:headEnd type="triangle" w="med" len="med"/>
+            <a:tailEnd type="triangle" w="med" len="med"/>
+          </a:ln>
+        </p:spPr>
+        <p:style>
+          <a:lnRef idx="1">
+            <a:schemeClr val="dk1"/>
+          </a:lnRef>
+          <a:fillRef idx="0">
+            <a:schemeClr val="dk1"/>
+          </a:fillRef>
+          <a:effectRef idx="0">
+            <a:schemeClr val="dk1"/>
+          </a:effectRef>
+          <a:fontRef idx="minor">
+            <a:schemeClr val="tx1"/>
+          </a:fontRef>
+        </p:style>
+      </p:cxnSp>
+      <p:pic>
+        <p:nvPicPr>
+          <p:cNvPr id="75" name="Graphic 74">
+            <a:extLst>
+              <a:ext uri="{FF2B5EF4-FFF2-40B4-BE49-F238E27FC236}">
+                <a16:creationId xmlns:a16="http://schemas.microsoft.com/office/drawing/2014/main" id="{E8E4CB17-C0D2-0A6D-29D3-FF0F8863D339}"/>
+              </a:ext>
+            </a:extLst>
+          </p:cNvPr>
+          <p:cNvPicPr>
+            <a:picLocks noChangeAspect="1"/>
+          </p:cNvPicPr>
+          <p:nvPr/>
+        </p:nvPicPr>
+        <p:blipFill>
+          <a:blip r:embed="rId7">
+            <a:extLst>
+              <a:ext uri="{96DAC541-7B7A-43D3-8B79-37D633B846F1}">
+                <asvg:svgBlip xmlns:asvg="http://schemas.microsoft.com/office/drawing/2016/SVG/main" r:embed="rId8"/>
+              </a:ext>
+            </a:extLst>
+          </a:blip>
+          <a:stretch>
+            <a:fillRect/>
+          </a:stretch>
+        </p:blipFill>
+        <p:spPr>
+          <a:xfrm>
+            <a:off x="5266767" y="3623962"/>
+            <a:ext cx="494888" cy="247444"/>
+          </a:xfrm>
+          <a:prstGeom prst="rect">
+            <a:avLst/>
+          </a:prstGeom>
+        </p:spPr>
+      </p:pic>
+      <p:sp>
+        <p:nvSpPr>
+          <p:cNvPr id="81" name="TextBox 80">
+            <a:extLst>
+              <a:ext uri="{FF2B5EF4-FFF2-40B4-BE49-F238E27FC236}">
+                <a16:creationId xmlns:a16="http://schemas.microsoft.com/office/drawing/2014/main" id="{975FFF67-BC21-B1C1-8605-30B51800C298}"/>
+              </a:ext>
+            </a:extLst>
+          </p:cNvPr>
+          <p:cNvSpPr txBox="1"/>
+          <p:nvPr/>
+        </p:nvSpPr>
+        <p:spPr>
+          <a:xfrm>
+            <a:off x="8052421" y="3981754"/>
+            <a:ext cx="2069724" cy="246221"/>
+          </a:xfrm>
+          <a:prstGeom prst="rect">
+            <a:avLst/>
+          </a:prstGeom>
+          <a:noFill/>
+        </p:spPr>
+        <p:txBody>
+          <a:bodyPr wrap="square">
+            <a:spAutoFit/>
+          </a:bodyPr>
+          <a:lstStyle/>
+          <a:p>
+            <a:pPr algn="ctr"/>
+            <a:r>
+              <a:rPr lang="de-DE" sz="1000" dirty="0">
+                <a:solidFill>
+                  <a:schemeClr val="bg1">
+                    <a:lumMod val="50000"/>
+                  </a:schemeClr>
+                </a:solidFill>
+                <a:cs typeface="Times New Roman" panose="02020603050405020304" pitchFamily="18" charset="0"/>
+              </a:rPr>
+              <a:t>Restore </a:t>
+            </a:r>
+            <a:r>
+              <a:rPr lang="de-DE" sz="1000" dirty="0" err="1">
+                <a:solidFill>
+                  <a:schemeClr val="bg1">
+                    <a:lumMod val="50000"/>
+                  </a:schemeClr>
+                </a:solidFill>
+                <a:cs typeface="Times New Roman" panose="02020603050405020304" pitchFamily="18" charset="0"/>
+              </a:rPr>
+              <a:t>used</a:t>
+            </a:r>
+            <a:r>
+              <a:rPr lang="de-DE" sz="1000" dirty="0">
+                <a:solidFill>
+                  <a:schemeClr val="bg1">
+                    <a:lumMod val="50000"/>
+                  </a:schemeClr>
+                </a:solidFill>
+                <a:cs typeface="Times New Roman" panose="02020603050405020304" pitchFamily="18" charset="0"/>
+              </a:rPr>
+              <a:t> </a:t>
+            </a:r>
+            <a:r>
+              <a:rPr lang="de-DE" sz="1000" dirty="0" err="1">
+                <a:solidFill>
+                  <a:schemeClr val="bg1">
+                    <a:lumMod val="50000"/>
+                  </a:schemeClr>
+                </a:solidFill>
+                <a:cs typeface="Times New Roman" panose="02020603050405020304" pitchFamily="18" charset="0"/>
+              </a:rPr>
+              <a:t>data</a:t>
+            </a:r>
+            <a:r>
+              <a:rPr lang="de-DE" sz="1000" dirty="0">
+                <a:solidFill>
+                  <a:schemeClr val="bg1">
+                    <a:lumMod val="50000"/>
+                  </a:schemeClr>
+                </a:solidFill>
+                <a:cs typeface="Times New Roman" panose="02020603050405020304" pitchFamily="18" charset="0"/>
+              </a:rPr>
+              <a:t> </a:t>
+            </a:r>
+            <a:r>
+              <a:rPr lang="de-DE" sz="1000" dirty="0" err="1">
+                <a:solidFill>
+                  <a:schemeClr val="bg1">
+                    <a:lumMod val="50000"/>
+                  </a:schemeClr>
+                </a:solidFill>
+                <a:cs typeface="Times New Roman" panose="02020603050405020304" pitchFamily="18" charset="0"/>
+              </a:rPr>
+              <a:t>from</a:t>
+            </a:r>
+            <a:r>
+              <a:rPr lang="de-DE" sz="1000" dirty="0">
+                <a:solidFill>
+                  <a:schemeClr val="bg1">
+                    <a:lumMod val="50000"/>
+                  </a:schemeClr>
+                </a:solidFill>
+                <a:cs typeface="Times New Roman" panose="02020603050405020304" pitchFamily="18" charset="0"/>
+              </a:rPr>
+              <a:t> </a:t>
+            </a:r>
+            <a:r>
+              <a:rPr lang="de-DE" sz="1000" dirty="0" err="1">
+                <a:solidFill>
+                  <a:schemeClr val="bg1">
+                    <a:lumMod val="50000"/>
+                  </a:schemeClr>
+                </a:solidFill>
+                <a:cs typeface="Times New Roman" panose="02020603050405020304" pitchFamily="18" charset="0"/>
+              </a:rPr>
+              <a:t>file</a:t>
+            </a:r>
+            <a:endParaRPr lang="de-DE" sz="1000" dirty="0">
+              <a:solidFill>
+                <a:schemeClr val="bg1">
+                  <a:lumMod val="50000"/>
+                </a:schemeClr>
+              </a:solidFill>
+              <a:cs typeface="Times New Roman" panose="02020603050405020304" pitchFamily="18" charset="0"/>
+            </a:endParaRPr>
+          </a:p>
+        </p:txBody>
+      </p:sp>
+      <p:sp>
+        <p:nvSpPr>
+          <p:cNvPr id="83" name="TextBox 82">
+            <a:extLst>
+              <a:ext uri="{FF2B5EF4-FFF2-40B4-BE49-F238E27FC236}">
+                <a16:creationId xmlns:a16="http://schemas.microsoft.com/office/drawing/2014/main" id="{F6A423FC-79F0-D99A-931A-93B1A6D9291E}"/>
+              </a:ext>
+            </a:extLst>
+          </p:cNvPr>
+          <p:cNvSpPr txBox="1"/>
+          <p:nvPr/>
+        </p:nvSpPr>
+        <p:spPr>
+          <a:xfrm>
+            <a:off x="4204132" y="2613417"/>
+            <a:ext cx="755604" cy="246221"/>
+          </a:xfrm>
+          <a:prstGeom prst="rect">
+            <a:avLst/>
+          </a:prstGeom>
+          <a:noFill/>
+        </p:spPr>
+        <p:txBody>
+          <a:bodyPr wrap="square">
+            <a:spAutoFit/>
+          </a:bodyPr>
+          <a:lstStyle/>
+          <a:p>
+            <a:pPr algn="ctr"/>
+            <a:r>
+              <a:rPr lang="de-DE" sz="1000" dirty="0">
+                <a:solidFill>
+                  <a:schemeClr val="bg1">
+                    <a:lumMod val="50000"/>
+                  </a:schemeClr>
+                </a:solidFill>
+                <a:cs typeface="Times New Roman" panose="02020603050405020304" pitchFamily="18" charset="0"/>
+              </a:rPr>
+              <a:t>File I/O</a:t>
+            </a:r>
+          </a:p>
+        </p:txBody>
+      </p:sp>
+    </p:spTree>
+    <p:extLst>
+      <p:ext uri="{BB962C8B-B14F-4D97-AF65-F5344CB8AC3E}">
+        <p14:creationId xmlns:p14="http://schemas.microsoft.com/office/powerpoint/2010/main" val="1409901342"/>
+      </p:ext>
+    </p:extLst>
+  </p:cSld>
+  <p:clrMapOvr>
+    <a:masterClrMapping/>
+  </p:clrMapOvr>
+</p:sld>
+</file>
+
+<file path=ppt/slides/slide2.xml><?xml version="1.0" encoding="utf-8"?>
+<p:sld xmlns:a="http://schemas.openxmlformats.org/drawingml/2006/main" xmlns:r="http://schemas.openxmlformats.org/officeDocument/2006/relationships" xmlns:p="http://schemas.openxmlformats.org/presentationml/2006/main">
+  <p:cSld>
+    <p:spTree>
+      <p:nvGrpSpPr>
         <p:cNvPr id="1" name=""/>
         <p:cNvGrpSpPr/>
         <p:nvPr/>
@@ -3104,7 +5999,7 @@
           </a:lstStyle>
           <a:p>
             <a:r>
-              <a:rPr lang="de-DE" sz="1200" b="1" dirty="0" smtClean="0">
+              <a:rPr lang="de-DE" sz="1200" b="1" dirty="0">
                 <a:solidFill>
                   <a:schemeClr val="tx1"/>
                 </a:solidFill>
@@ -3113,7 +6008,7 @@
               <a:t>     </a:t>
             </a:r>
             <a:r>
-              <a:rPr lang="de-DE" sz="1200" b="1" dirty="0" err="1" smtClean="0">
+              <a:rPr lang="de-DE" sz="1200" b="1" dirty="0" err="1">
                 <a:solidFill>
                   <a:schemeClr val="tx1"/>
                 </a:solidFill>
@@ -3122,7 +6017,7 @@
               <a:t>flixOpt</a:t>
             </a:r>
             <a:r>
-              <a:rPr lang="de-DE" sz="1200" b="1" dirty="0" smtClean="0">
+              <a:rPr lang="de-DE" sz="1200" b="1" dirty="0">
                 <a:solidFill>
                   <a:schemeClr val="tx1"/>
                 </a:solidFill>
@@ -3131,7 +6026,7 @@
               <a:t> </a:t>
             </a:r>
             <a:r>
-              <a:rPr lang="de-DE" sz="1200" dirty="0" err="1" smtClean="0">
+              <a:rPr lang="de-DE" sz="1200" dirty="0" err="1">
                 <a:solidFill>
                   <a:schemeClr val="tx1"/>
                 </a:solidFill>
@@ -3140,7 +6035,7 @@
               <a:t>package</a:t>
             </a:r>
             <a:r>
-              <a:rPr lang="de-DE" sz="1200" dirty="0" smtClean="0">
+              <a:rPr lang="de-DE" sz="1200" dirty="0">
                 <a:solidFill>
                   <a:schemeClr val="tx1"/>
                 </a:solidFill>
@@ -3301,7 +6196,7 @@
           <a:p>
             <a:pPr algn="ctr"/>
             <a:r>
-              <a:rPr lang="de-DE" sz="1200" b="1" dirty="0" smtClean="0">
+              <a:rPr lang="de-DE" sz="1200" b="1" dirty="0">
                 <a:solidFill>
                   <a:schemeClr val="tx1"/>
                 </a:solidFill>
@@ -3309,17 +6204,8 @@
               </a:rPr>
               <a:t>MILP-Solver</a:t>
             </a:r>
-            <a:r>
-              <a:rPr lang="de-DE" sz="1200" dirty="0" smtClean="0">
-                <a:solidFill>
-                  <a:schemeClr val="tx1"/>
-                </a:solidFill>
-                <a:cs typeface="Times New Roman" panose="02020603050405020304" pitchFamily="18" charset="0"/>
-              </a:rPr>
-              <a:t/>
-            </a:r>
             <a:br>
-              <a:rPr lang="de-DE" sz="1200" dirty="0" smtClean="0">
+              <a:rPr lang="de-DE" sz="1200" dirty="0">
                 <a:solidFill>
                   <a:schemeClr val="tx1"/>
                 </a:solidFill>
@@ -3327,7 +6213,7 @@
               </a:rPr>
             </a:br>
             <a:r>
-              <a:rPr lang="de-DE" sz="1000" dirty="0" err="1" smtClean="0">
+              <a:rPr lang="de-DE" sz="1000" dirty="0" err="1">
                 <a:solidFill>
                   <a:schemeClr val="tx1"/>
                 </a:solidFill>
@@ -3336,7 +6222,7 @@
               <a:t>Gurobi</a:t>
             </a:r>
             <a:r>
-              <a:rPr lang="de-DE" sz="1000" dirty="0" smtClean="0">
+              <a:rPr lang="de-DE" sz="1000" dirty="0">
                 <a:solidFill>
                   <a:schemeClr val="tx1"/>
                 </a:solidFill>
@@ -3344,12 +6230,6 @@
               </a:rPr>
               <a:t>, CPLEX, CBC, …</a:t>
             </a:r>
-            <a:endParaRPr lang="de-DE" sz="1000" dirty="0">
-              <a:solidFill>
-                <a:schemeClr val="tx1"/>
-              </a:solidFill>
-              <a:cs typeface="Times New Roman" panose="02020603050405020304" pitchFamily="18" charset="0"/>
-            </a:endParaRPr>
           </a:p>
         </p:txBody>
       </p:sp>
@@ -3643,7 +6523,7 @@
           <a:p>
             <a:pPr algn="ctr"/>
             <a:r>
-              <a:rPr lang="de-DE" sz="1200" b="1" dirty="0" err="1" smtClean="0">
+              <a:rPr lang="de-DE" sz="1200" b="1" dirty="0" err="1">
                 <a:solidFill>
                   <a:schemeClr val="tx1"/>
                 </a:solidFill>
@@ -3652,7 +6532,7 @@
               <a:t>Optimization</a:t>
             </a:r>
             <a:r>
-              <a:rPr lang="de-DE" sz="1200" b="1" dirty="0" smtClean="0">
+              <a:rPr lang="de-DE" sz="1200" b="1" dirty="0">
                 <a:solidFill>
                   <a:schemeClr val="tx1"/>
                 </a:solidFill>
@@ -3661,7 +6541,7 @@
               <a:t> </a:t>
             </a:r>
             <a:r>
-              <a:rPr lang="de-DE" sz="1200" b="1" dirty="0" err="1" smtClean="0">
+              <a:rPr lang="de-DE" sz="1200" b="1" dirty="0" err="1">
                 <a:solidFill>
                   <a:schemeClr val="tx1"/>
                 </a:solidFill>
@@ -3670,7 +6550,7 @@
               <a:t>modeling</a:t>
             </a:r>
             <a:r>
-              <a:rPr lang="de-DE" sz="1200" b="1" dirty="0" smtClean="0">
+              <a:rPr lang="de-DE" sz="1200" b="1" dirty="0">
                 <a:solidFill>
                   <a:schemeClr val="tx1"/>
                 </a:solidFill>
@@ -3679,7 +6559,7 @@
               <a:t> </a:t>
             </a:r>
             <a:r>
-              <a:rPr lang="de-DE" sz="1200" b="1" dirty="0" err="1" smtClean="0">
+              <a:rPr lang="de-DE" sz="1200" b="1" dirty="0" err="1">
                 <a:solidFill>
                   <a:schemeClr val="tx1"/>
                 </a:solidFill>
@@ -3688,7 +6568,7 @@
               <a:t>language</a:t>
             </a:r>
             <a:r>
-              <a:rPr lang="de-DE" sz="1200" b="1" dirty="0" smtClean="0">
+              <a:rPr lang="de-DE" sz="1200" b="1" dirty="0">
                 <a:solidFill>
                   <a:schemeClr val="tx1"/>
                 </a:solidFill>
@@ -3700,7 +6580,7 @@
           <a:p>
             <a:pPr algn="ctr"/>
             <a:r>
-              <a:rPr lang="de-DE" sz="1200" b="1" dirty="0" smtClean="0">
+              <a:rPr lang="de-DE" sz="1200" b="1" dirty="0">
                 <a:solidFill>
                   <a:schemeClr val="tx1"/>
                 </a:solidFill>
@@ -3719,7 +6599,7 @@
           </a:p>
           <a:p>
             <a:pPr algn="ctr"/>
-            <a:endParaRPr lang="de-DE" sz="1200" b="1" dirty="0" smtClean="0">
+            <a:endParaRPr lang="de-DE" sz="1200" b="1" dirty="0">
               <a:solidFill>
                 <a:schemeClr val="tx1"/>
               </a:solidFill>
@@ -4162,7 +7042,7 @@
           <a:p>
             <a:pPr algn="ctr"/>
             <a:r>
-              <a:rPr lang="de-DE" sz="1200" b="1" dirty="0" err="1" smtClean="0">
+              <a:rPr lang="de-DE" sz="1200" b="1" dirty="0" err="1">
                 <a:solidFill>
                   <a:schemeClr val="tx1"/>
                 </a:solidFill>
@@ -4170,7 +7050,7 @@
               </a:rPr>
               <a:t>others</a:t>
             </a:r>
-            <a:endParaRPr lang="de-DE" sz="1200" b="1" dirty="0" smtClean="0">
+            <a:endParaRPr lang="de-DE" sz="1200" b="1" dirty="0">
               <a:solidFill>
                 <a:schemeClr val="tx1"/>
               </a:solidFill>
@@ -4180,7 +7060,7 @@
           <a:p>
             <a:pPr algn="ctr"/>
             <a:r>
-              <a:rPr lang="de-DE" sz="1000" dirty="0" err="1" smtClean="0">
+              <a:rPr lang="de-DE" sz="1000" dirty="0" err="1">
                 <a:solidFill>
                   <a:schemeClr val="tx1"/>
                 </a:solidFill>
@@ -4195,23 +7075,8 @@
                 </a:solidFill>
                 <a:cs typeface="Times New Roman" panose="02020603050405020304" pitchFamily="18" charset="0"/>
               </a:rPr>
-              <a:t>. </a:t>
-            </a:r>
-            <a:r>
-              <a:rPr lang="de-DE" sz="1000" dirty="0" smtClean="0">
-                <a:solidFill>
-                  <a:schemeClr val="tx1"/>
-                </a:solidFill>
-                <a:cs typeface="Times New Roman" panose="02020603050405020304" pitchFamily="18" charset="0"/>
-              </a:rPr>
-              <a:t>CVXPY</a:t>
-            </a:r>
-            <a:endParaRPr lang="de-DE" sz="1000" dirty="0">
-              <a:solidFill>
-                <a:schemeClr val="tx1"/>
-              </a:solidFill>
-              <a:cs typeface="Times New Roman" panose="02020603050405020304" pitchFamily="18" charset="0"/>
-            </a:endParaRPr>
+              <a:t>. CVXPY</a:t>
+            </a:r>
           </a:p>
         </p:txBody>
       </p:sp>
@@ -4465,7 +7330,7 @@
           <a:p>
             <a:pPr algn="ctr"/>
             <a:r>
-              <a:rPr lang="de-DE" sz="1200" b="1" dirty="0" err="1" smtClean="0">
+              <a:rPr lang="de-DE" sz="1200" b="1" dirty="0" err="1">
                 <a:solidFill>
                   <a:schemeClr val="tx1"/>
                 </a:solidFill>
@@ -4473,7 +7338,7 @@
               </a:rPr>
               <a:t>flixBase</a:t>
             </a:r>
-            <a:endParaRPr lang="de-DE" sz="1200" b="1" dirty="0" smtClean="0">
+            <a:endParaRPr lang="de-DE" sz="1200" b="1" dirty="0">
               <a:solidFill>
                 <a:schemeClr val="tx1"/>
               </a:solidFill>
@@ -4483,7 +7348,7 @@
           <a:p>
             <a:pPr algn="ctr"/>
             <a:r>
-              <a:rPr lang="de-DE" sz="1000" dirty="0" err="1" smtClean="0">
+              <a:rPr lang="de-DE" sz="1000" dirty="0" err="1">
                 <a:solidFill>
                   <a:schemeClr val="tx1"/>
                 </a:solidFill>
@@ -4492,7 +7357,7 @@
               <a:t>vector</a:t>
             </a:r>
             <a:r>
-              <a:rPr lang="de-DE" sz="1000" dirty="0" smtClean="0">
+              <a:rPr lang="de-DE" sz="1000" dirty="0">
                 <a:solidFill>
                   <a:schemeClr val="tx1"/>
                 </a:solidFill>
@@ -4501,7 +7366,7 @@
               <a:t> </a:t>
             </a:r>
             <a:r>
-              <a:rPr lang="de-DE" sz="1000" dirty="0" err="1" smtClean="0">
+              <a:rPr lang="de-DE" sz="1000" dirty="0" err="1">
                 <a:solidFill>
                   <a:schemeClr val="tx1"/>
                 </a:solidFill>
@@ -4510,7 +7375,7 @@
               <a:t>based</a:t>
             </a:r>
             <a:r>
-              <a:rPr lang="de-DE" sz="1000" dirty="0" smtClean="0">
+              <a:rPr lang="de-DE" sz="1000" dirty="0">
                 <a:solidFill>
                   <a:schemeClr val="tx1"/>
                 </a:solidFill>
@@ -4519,7 +7384,7 @@
               <a:t> </a:t>
             </a:r>
             <a:r>
-              <a:rPr lang="de-DE" sz="1000" dirty="0" err="1" smtClean="0">
+              <a:rPr lang="de-DE" sz="1000" dirty="0" err="1">
                 <a:solidFill>
                   <a:schemeClr val="tx1"/>
                 </a:solidFill>
@@ -4528,7 +7393,7 @@
               <a:t>modeling</a:t>
             </a:r>
             <a:r>
-              <a:rPr lang="de-DE" sz="1000" dirty="0" smtClean="0">
+              <a:rPr lang="de-DE" sz="1000" dirty="0">
                 <a:solidFill>
                   <a:schemeClr val="tx1"/>
                 </a:solidFill>
@@ -4537,7 +7402,7 @@
               <a:t> </a:t>
             </a:r>
             <a:r>
-              <a:rPr lang="de-DE" sz="1000" dirty="0" err="1" smtClean="0">
+              <a:rPr lang="de-DE" sz="1000" dirty="0" err="1">
                 <a:solidFill>
                   <a:schemeClr val="tx1"/>
                 </a:solidFill>
@@ -4554,7 +7419,7 @@
           </a:p>
           <a:p>
             <a:pPr algn="ctr"/>
-            <a:endParaRPr lang="de-DE" sz="1200" b="1" dirty="0" smtClean="0">
+            <a:endParaRPr lang="de-DE" sz="1200" b="1" dirty="0">
               <a:solidFill>
                 <a:schemeClr val="tx1"/>
               </a:solidFill>
@@ -4704,7 +7569,7 @@
           <a:p>
             <a:pPr algn="ctr"/>
             <a:r>
-              <a:rPr lang="de-DE" sz="1200" b="1" dirty="0" err="1" smtClean="0">
+              <a:rPr lang="de-DE" sz="1200" b="1" dirty="0" err="1">
                 <a:solidFill>
                   <a:schemeClr val="tx1"/>
                 </a:solidFill>
@@ -4712,7 +7577,7 @@
               </a:rPr>
               <a:t>flixOpt</a:t>
             </a:r>
-            <a:endParaRPr lang="de-DE" sz="1200" b="1" dirty="0" smtClean="0">
+            <a:endParaRPr lang="de-DE" sz="1200" b="1" dirty="0">
               <a:solidFill>
                 <a:schemeClr val="tx1"/>
               </a:solidFill>
@@ -4779,7 +7644,7 @@
           <a:p>
             <a:pPr algn="ctr"/>
             <a:r>
-              <a:rPr lang="de-DE" sz="1000" dirty="0" err="1" smtClean="0">
+              <a:rPr lang="de-DE" sz="1000" dirty="0" err="1">
                 <a:solidFill>
                   <a:schemeClr val="tx1"/>
                 </a:solidFill>
@@ -4788,7 +7653,7 @@
               <a:t>energy</a:t>
             </a:r>
             <a:r>
-              <a:rPr lang="de-DE" sz="1000" dirty="0" smtClean="0">
+              <a:rPr lang="de-DE" sz="1000" dirty="0">
                 <a:solidFill>
                   <a:schemeClr val="tx1"/>
                 </a:solidFill>
@@ -4797,7 +7662,7 @@
               <a:t> </a:t>
             </a:r>
             <a:r>
-              <a:rPr lang="de-DE" sz="1000" dirty="0" err="1" smtClean="0">
+              <a:rPr lang="de-DE" sz="1000" dirty="0" err="1">
                 <a:solidFill>
                   <a:schemeClr val="tx1"/>
                 </a:solidFill>
@@ -4806,7 +7671,7 @@
               <a:t>and</a:t>
             </a:r>
             <a:r>
-              <a:rPr lang="de-DE" sz="1000" dirty="0" smtClean="0">
+              <a:rPr lang="de-DE" sz="1000" dirty="0">
                 <a:solidFill>
                   <a:schemeClr val="tx1"/>
                 </a:solidFill>
@@ -4815,7 +7680,7 @@
               <a:t> material </a:t>
             </a:r>
             <a:r>
-              <a:rPr lang="de-DE" sz="1000" dirty="0" err="1" smtClean="0">
+              <a:rPr lang="de-DE" sz="1000" dirty="0" err="1">
                 <a:solidFill>
                   <a:schemeClr val="tx1"/>
                 </a:solidFill>
@@ -4824,7 +7689,7 @@
               <a:t>flow</a:t>
             </a:r>
             <a:r>
-              <a:rPr lang="de-DE" sz="1000" dirty="0" smtClean="0">
+              <a:rPr lang="de-DE" sz="1000" dirty="0">
                 <a:solidFill>
                   <a:schemeClr val="tx1"/>
                 </a:solidFill>
@@ -4833,7 +7698,7 @@
               <a:t> </a:t>
             </a:r>
             <a:r>
-              <a:rPr lang="de-DE" sz="1000" dirty="0" err="1" smtClean="0">
+              <a:rPr lang="de-DE" sz="1000" dirty="0" err="1">
                 <a:solidFill>
                   <a:schemeClr val="tx1"/>
                 </a:solidFill>
@@ -5146,14 +8011,11 @@
           </a:lstStyle>
           <a:p>
             <a:r>
-              <a:rPr lang="de-DE" dirty="0" smtClean="0">
+              <a:rPr lang="de-DE" dirty="0">
                 <a:cs typeface="Times New Roman" panose="02020603050405020304" pitchFamily="18" charset="0"/>
               </a:rPr>
               <a:t>*</a:t>
             </a:r>
-            <a:endParaRPr lang="de-DE" dirty="0">
-              <a:cs typeface="Times New Roman" panose="02020603050405020304" pitchFamily="18" charset="0"/>
-            </a:endParaRPr>
           </a:p>
         </p:txBody>
       </p:sp>
@@ -5274,37 +8136,37 @@
           </a:lstStyle>
           <a:p>
             <a:r>
-              <a:rPr lang="de-DE" sz="1000" dirty="0" smtClean="0">
+              <a:rPr lang="de-DE" sz="1000" dirty="0">
                 <a:cs typeface="Times New Roman" panose="02020603050405020304" pitchFamily="18" charset="0"/>
               </a:rPr>
               <a:t>* in </a:t>
             </a:r>
             <a:r>
-              <a:rPr lang="de-DE" sz="1000" dirty="0" err="1" smtClean="0">
+              <a:rPr lang="de-DE" sz="1000" dirty="0" err="1">
                 <a:cs typeface="Times New Roman" panose="02020603050405020304" pitchFamily="18" charset="0"/>
               </a:rPr>
               <a:t>progress</a:t>
             </a:r>
             <a:r>
-              <a:rPr lang="de-DE" sz="1000" dirty="0" smtClean="0">
+              <a:rPr lang="de-DE" sz="1000" dirty="0">
                 <a:cs typeface="Times New Roman" panose="02020603050405020304" pitchFamily="18" charset="0"/>
               </a:rPr>
               <a:t> / </a:t>
             </a:r>
             <a:r>
-              <a:rPr lang="de-DE" sz="1000" dirty="0" err="1" smtClean="0">
+              <a:rPr lang="de-DE" sz="1000" dirty="0" err="1">
                 <a:cs typeface="Times New Roman" panose="02020603050405020304" pitchFamily="18" charset="0"/>
               </a:rPr>
               <a:t>prepared</a:t>
             </a:r>
             <a:r>
-              <a:rPr lang="de-DE" sz="1000" dirty="0" smtClean="0">
+              <a:rPr lang="de-DE" sz="1000" dirty="0">
                 <a:cs typeface="Times New Roman" panose="02020603050405020304" pitchFamily="18" charset="0"/>
               </a:rPr>
               <a:t> </a:t>
             </a:r>
             <a:r>
-              <a:rPr lang="de-DE" sz="1000" dirty="0" err="1" smtClean="0">
+              <a:rPr lang="de-DE" sz="1000" dirty="0" err="1">
                 <a:cs typeface="Times New Roman" panose="02020603050405020304" pitchFamily="18" charset="0"/>
               </a:rPr>
               <a:t>for</a:t>
@@ -5516,7 +8378,7 @@
           <a:p>
             <a:pPr algn="ctr"/>
             <a:r>
-              <a:rPr lang="de-DE" sz="1200" b="1" dirty="0" err="1" smtClean="0">
+              <a:rPr lang="de-DE" sz="1200" b="1" dirty="0" err="1">
                 <a:solidFill>
                   <a:schemeClr val="tx1"/>
                 </a:solidFill>
@@ -5524,7 +8386,7 @@
               </a:rPr>
               <a:t>flixPost</a:t>
             </a:r>
-            <a:endParaRPr lang="de-DE" sz="1200" b="1" dirty="0" smtClean="0">
+            <a:endParaRPr lang="de-DE" sz="1200" b="1" dirty="0">
               <a:solidFill>
                 <a:schemeClr val="tx1"/>
               </a:solidFill>
@@ -5534,7 +8396,7 @@
           <a:p>
             <a:pPr algn="ctr"/>
             <a:r>
-              <a:rPr lang="de-DE" sz="1000" dirty="0" err="1" smtClean="0">
+              <a:rPr lang="de-DE" sz="1000" dirty="0" err="1">
                 <a:solidFill>
                   <a:schemeClr val="tx1"/>
                 </a:solidFill>
@@ -5543,7 +8405,7 @@
               <a:t>framework</a:t>
             </a:r>
             <a:r>
-              <a:rPr lang="de-DE" sz="1000" dirty="0" smtClean="0">
+              <a:rPr lang="de-DE" sz="1000" dirty="0">
                 <a:solidFill>
                   <a:schemeClr val="tx1"/>
                 </a:solidFill>
@@ -5552,7 +8414,7 @@
               <a:t> </a:t>
             </a:r>
             <a:r>
-              <a:rPr lang="de-DE" sz="1000" dirty="0" err="1" smtClean="0">
+              <a:rPr lang="de-DE" sz="1000" dirty="0" err="1">
                 <a:solidFill>
                   <a:schemeClr val="tx1"/>
                 </a:solidFill>
@@ -5561,7 +8423,7 @@
               <a:t>for</a:t>
             </a:r>
             <a:r>
-              <a:rPr lang="de-DE" sz="1000" dirty="0" smtClean="0">
+              <a:rPr lang="de-DE" sz="1000" dirty="0">
                 <a:solidFill>
                   <a:schemeClr val="tx1"/>
                 </a:solidFill>
@@ -5570,7 +8432,7 @@
               <a:t> </a:t>
             </a:r>
             <a:r>
-              <a:rPr lang="de-DE" sz="1000" dirty="0" err="1" smtClean="0">
+              <a:rPr lang="de-DE" sz="1000" dirty="0" err="1">
                 <a:solidFill>
                   <a:schemeClr val="tx1"/>
                 </a:solidFill>
@@ -5704,36 +8566,36 @@
           </a:lstStyle>
           <a:p>
             <a:r>
-              <a:rPr lang="de-DE" sz="1000" b="1" dirty="0" err="1" smtClean="0">
+              <a:rPr lang="de-DE" sz="1000" b="1" dirty="0" err="1">
                 <a:cs typeface="Times New Roman" panose="02020603050405020304" pitchFamily="18" charset="0"/>
               </a:rPr>
               <a:t>result</a:t>
             </a:r>
             <a:r>
-              <a:rPr lang="de-DE" sz="1000" b="1" dirty="0" smtClean="0">
+              <a:rPr lang="de-DE" sz="1000" b="1" dirty="0">
                 <a:cs typeface="Times New Roman" panose="02020603050405020304" pitchFamily="18" charset="0"/>
               </a:rPr>
               <a:t>-files </a:t>
             </a:r>
             <a:r>
-              <a:rPr lang="de-DE" sz="1000" b="1" dirty="0" err="1" smtClean="0">
+              <a:rPr lang="de-DE" sz="1000" b="1" dirty="0" err="1">
                 <a:cs typeface="Times New Roman" panose="02020603050405020304" pitchFamily="18" charset="0"/>
               </a:rPr>
               <a:t>of</a:t>
             </a:r>
             <a:r>
-              <a:rPr lang="de-DE" sz="1000" b="1" dirty="0" smtClean="0">
+              <a:rPr lang="de-DE" sz="1000" b="1" dirty="0">
                 <a:cs typeface="Times New Roman" panose="02020603050405020304" pitchFamily="18" charset="0"/>
               </a:rPr>
               <a:t> </a:t>
             </a:r>
             <a:r>
-              <a:rPr lang="de-DE" sz="1000" b="1" dirty="0" err="1" smtClean="0">
+              <a:rPr lang="de-DE" sz="1000" b="1" dirty="0" err="1">
                 <a:cs typeface="Times New Roman" panose="02020603050405020304" pitchFamily="18" charset="0"/>
               </a:rPr>
               <a:t>calculation</a:t>
             </a:r>
-            <a:endParaRPr lang="de-DE" sz="1000" b="1" dirty="0" smtClean="0">
+            <a:endParaRPr lang="de-DE" sz="1000" b="1" dirty="0">
               <a:cs typeface="Times New Roman" panose="02020603050405020304" pitchFamily="18" charset="0"/>
             </a:endParaRPr>
           </a:p>
@@ -5743,20 +8605,17 @@
               <a:buChar char="•"/>
             </a:pPr>
             <a:r>
-              <a:rPr lang="de-DE" sz="1000" dirty="0" err="1" smtClean="0">
+              <a:rPr lang="de-DE" sz="1000" dirty="0" err="1">
                 <a:cs typeface="Times New Roman" panose="02020603050405020304" pitchFamily="18" charset="0"/>
               </a:rPr>
               <a:t>data</a:t>
             </a:r>
             <a:r>
-              <a:rPr lang="de-DE" sz="1000" dirty="0" smtClean="0">
+              <a:rPr lang="de-DE" sz="1000" dirty="0">
                 <a:cs typeface="Times New Roman" panose="02020603050405020304" pitchFamily="18" charset="0"/>
               </a:rPr>
               <a:t>-files</a:t>
             </a:r>
-            <a:endParaRPr lang="de-DE" sz="1000" dirty="0">
-              <a:cs typeface="Times New Roman" panose="02020603050405020304" pitchFamily="18" charset="0"/>
-            </a:endParaRPr>
           </a:p>
           <a:p>
             <a:pPr marL="171450" indent="-171450">
@@ -5764,56 +8623,53 @@
               <a:buChar char="•"/>
             </a:pPr>
             <a:r>
-              <a:rPr lang="de-DE" sz="1000" dirty="0" err="1" smtClean="0">
+              <a:rPr lang="de-DE" sz="1000" dirty="0" err="1">
                 <a:cs typeface="Times New Roman" panose="02020603050405020304" pitchFamily="18" charset="0"/>
               </a:rPr>
               <a:t>model</a:t>
             </a:r>
             <a:r>
-              <a:rPr lang="de-DE" sz="1000" dirty="0" smtClean="0">
+              <a:rPr lang="de-DE" sz="1000" dirty="0">
                 <a:cs typeface="Times New Roman" panose="02020603050405020304" pitchFamily="18" charset="0"/>
               </a:rPr>
               <a:t> &amp; </a:t>
             </a:r>
             <a:r>
-              <a:rPr lang="de-DE" sz="1000" dirty="0" err="1" smtClean="0">
+              <a:rPr lang="de-DE" sz="1000" dirty="0" err="1">
                 <a:cs typeface="Times New Roman" panose="02020603050405020304" pitchFamily="18" charset="0"/>
               </a:rPr>
               <a:t>solve</a:t>
             </a:r>
             <a:r>
-              <a:rPr lang="de-DE" sz="1000" dirty="0" smtClean="0">
+              <a:rPr lang="de-DE" sz="1000" dirty="0">
                 <a:cs typeface="Times New Roman" panose="02020603050405020304" pitchFamily="18" charset="0"/>
               </a:rPr>
               <a:t> </a:t>
             </a:r>
             <a:r>
-              <a:rPr lang="de-DE" sz="1000" dirty="0" err="1" smtClean="0">
+              <a:rPr lang="de-DE" sz="1000" dirty="0" err="1">
                 <a:cs typeface="Times New Roman" panose="02020603050405020304" pitchFamily="18" charset="0"/>
               </a:rPr>
               <a:t>infos</a:t>
             </a:r>
             <a:r>
-              <a:rPr lang="de-DE" sz="1000" dirty="0" smtClean="0">
+              <a:rPr lang="de-DE" sz="1000" dirty="0">
                 <a:cs typeface="Times New Roman" panose="02020603050405020304" pitchFamily="18" charset="0"/>
               </a:rPr>
               <a:t> (</a:t>
             </a:r>
             <a:r>
-              <a:rPr lang="de-DE" sz="1000" dirty="0" err="1" smtClean="0">
+              <a:rPr lang="de-DE" sz="1000" dirty="0" err="1">
                 <a:cs typeface="Times New Roman" panose="02020603050405020304" pitchFamily="18" charset="0"/>
               </a:rPr>
               <a:t>json</a:t>
             </a:r>
             <a:r>
-              <a:rPr lang="de-DE" sz="1000" dirty="0" smtClean="0">
+              <a:rPr lang="de-DE" sz="1000" dirty="0">
                 <a:cs typeface="Times New Roman" panose="02020603050405020304" pitchFamily="18" charset="0"/>
               </a:rPr>
               <a:t>)</a:t>
             </a:r>
-            <a:endParaRPr lang="de-DE" sz="1000" dirty="0">
-              <a:cs typeface="Times New Roman" panose="02020603050405020304" pitchFamily="18" charset="0"/>
-            </a:endParaRPr>
           </a:p>
         </p:txBody>
       </p:sp>
@@ -6225,7 +9081,7 @@
           <a:p>
             <a:pPr algn="ctr"/>
             <a:r>
-              <a:rPr lang="de-DE" sz="1000" dirty="0" smtClean="0">
+              <a:rPr lang="de-DE" sz="1000" dirty="0">
                 <a:cs typeface="Times New Roman" panose="02020603050405020304" pitchFamily="18" charset="0"/>
               </a:rPr>
               <a:t>… after </a:t>
@@ -6234,7 +9090,7 @@
           <a:p>
             <a:pPr algn="ctr"/>
             <a:r>
-              <a:rPr lang="de-DE" sz="1000" dirty="0" err="1" smtClean="0">
+              <a:rPr lang="de-DE" sz="1000" dirty="0" err="1">
                 <a:cs typeface="Times New Roman" panose="02020603050405020304" pitchFamily="18" charset="0"/>
               </a:rPr>
               <a:t>solving</a:t>
@@ -6275,6 +9131,41 @@
           </a:prstGeom>
         </p:spPr>
       </p:pic>
+      <p:sp>
+        <p:nvSpPr>
+          <p:cNvPr id="2" name="TextBox 1">
+            <a:extLst>
+              <a:ext uri="{FF2B5EF4-FFF2-40B4-BE49-F238E27FC236}">
+                <a16:creationId xmlns:a16="http://schemas.microsoft.com/office/drawing/2014/main" id="{9B2C87AE-87DE-B0C5-C65A-B46AB33A366A}"/>
+              </a:ext>
+            </a:extLst>
+          </p:cNvPr>
+          <p:cNvSpPr txBox="1"/>
+          <p:nvPr/>
+        </p:nvSpPr>
+        <p:spPr>
+          <a:xfrm>
+            <a:off x="548640" y="457200"/>
+            <a:ext cx="1119409" cy="369332"/>
+          </a:xfrm>
+          <a:prstGeom prst="rect">
+            <a:avLst/>
+          </a:prstGeom>
+          <a:noFill/>
+        </p:spPr>
+        <p:txBody>
+          <a:bodyPr wrap="none" rtlCol="0">
+            <a:spAutoFit/>
+          </a:bodyPr>
+          <a:lstStyle/>
+          <a:p>
+            <a:r>
+              <a:rPr lang="en-US" dirty="0"/>
+              <a:t>Pre v2.0.0</a:t>
+            </a:r>
+          </a:p>
+        </p:txBody>
+      </p:sp>
     </p:spTree>
     <p:extLst>
       <p:ext uri="{BB962C8B-B14F-4D97-AF65-F5344CB8AC3E}">
